--- a/presentations/Bài 8_Kế thừa.pptx
+++ b/presentations/Bài 8_Kế thừa.pptx
@@ -5,7 +5,7 @@
     <p:sldMasterId id="2147483659" r:id="rId1"/>
   </p:sldMasterIdLst>
   <p:notesMasterIdLst>
-    <p:notesMasterId r:id="rId48"/>
+    <p:notesMasterId r:id="rId49"/>
   </p:notesMasterIdLst>
   <p:sldIdLst>
     <p:sldId id="256" r:id="rId2"/>
@@ -54,6 +54,7 @@
     <p:sldId id="433" r:id="rId45"/>
     <p:sldId id="434" r:id="rId46"/>
     <p:sldId id="282" r:id="rId47"/>
+    <p:sldId id="346" r:id="rId48"/>
   </p:sldIdLst>
   <p:sldSz cx="9144000" cy="5143500" type="screen16x9"/>
   <p:notesSz cx="6858000" cy="9144000"/>
@@ -2182,7 +2183,7 @@
           <a:lstStyle/>
           <a:p>
             <a:r>
-              <a:rPr lang="en-US" smtClean="0"/>
+              <a:rPr lang="en-US"/>
               <a:t>Click to edit Master title style</a:t>
             </a:r>
             <a:endParaRPr lang="en-US" dirty="0"/>
@@ -2206,35 +2207,35 @@
           <a:p>
             <a:pPr lvl="0"/>
             <a:r>
-              <a:rPr lang="en-US" smtClean="0"/>
+              <a:rPr lang="en-US"/>
               <a:t>Edit Master text styles</a:t>
             </a:r>
           </a:p>
           <a:p>
             <a:pPr lvl="1"/>
             <a:r>
-              <a:rPr lang="en-US" smtClean="0"/>
+              <a:rPr lang="en-US"/>
               <a:t>Second level</a:t>
             </a:r>
           </a:p>
           <a:p>
             <a:pPr lvl="2"/>
             <a:r>
-              <a:rPr lang="en-US" smtClean="0"/>
+              <a:rPr lang="en-US"/>
               <a:t>Third level</a:t>
             </a:r>
           </a:p>
           <a:p>
             <a:pPr lvl="3"/>
             <a:r>
-              <a:rPr lang="en-US" smtClean="0"/>
+              <a:rPr lang="en-US"/>
               <a:t>Fourth level</a:t>
             </a:r>
           </a:p>
           <a:p>
             <a:pPr lvl="4"/>
             <a:r>
-              <a:rPr lang="en-US" smtClean="0"/>
+              <a:rPr lang="en-US"/>
               <a:t>Fifth level</a:t>
             </a:r>
             <a:endParaRPr lang="en-US" dirty="0"/>
@@ -2282,7 +2283,7 @@
               <a:pPr>
                 <a:defRPr/>
               </a:pPr>
-              <a:t>15/03/2023</a:t>
+              <a:t>4/12/2023</a:t>
             </a:fld>
             <a:endParaRPr lang="en-US">
               <a:solidFill>
@@ -2430,10 +2431,9 @@
           <a:lstStyle/>
           <a:p>
             <a:r>
-              <a:rPr lang="en-US" smtClean="0"/>
+              <a:rPr lang="en-US"/>
               <a:t>Click to edit Master title style</a:t>
             </a:r>
-            <a:endParaRPr lang="en-US"/>
           </a:p>
         </p:txBody>
       </p:sp>
@@ -2459,38 +2459,37 @@
           <a:p>
             <a:pPr lvl="0"/>
             <a:r>
-              <a:rPr lang="en-US" smtClean="0"/>
+              <a:rPr lang="en-US"/>
               <a:t>Click to edit Master text styles</a:t>
             </a:r>
           </a:p>
           <a:p>
             <a:pPr lvl="1"/>
             <a:r>
-              <a:rPr lang="en-US" smtClean="0"/>
+              <a:rPr lang="en-US"/>
               <a:t>Second level</a:t>
             </a:r>
           </a:p>
           <a:p>
             <a:pPr lvl="2"/>
             <a:r>
-              <a:rPr lang="en-US" smtClean="0"/>
+              <a:rPr lang="en-US"/>
               <a:t>Third level</a:t>
             </a:r>
           </a:p>
           <a:p>
             <a:pPr lvl="3"/>
             <a:r>
-              <a:rPr lang="en-US" smtClean="0"/>
+              <a:rPr lang="en-US"/>
               <a:t>Fourth level</a:t>
             </a:r>
           </a:p>
           <a:p>
             <a:pPr lvl="4"/>
             <a:r>
-              <a:rPr lang="en-US" smtClean="0"/>
+              <a:rPr lang="en-US"/>
               <a:t>Fifth level</a:t>
             </a:r>
-            <a:endParaRPr lang="en-US"/>
           </a:p>
         </p:txBody>
       </p:sp>
@@ -2516,38 +2515,37 @@
           <a:p>
             <a:pPr lvl="0"/>
             <a:r>
-              <a:rPr lang="en-US" smtClean="0"/>
+              <a:rPr lang="en-US"/>
               <a:t>Click to edit Master text styles</a:t>
             </a:r>
           </a:p>
           <a:p>
             <a:pPr lvl="1"/>
             <a:r>
-              <a:rPr lang="en-US" smtClean="0"/>
+              <a:rPr lang="en-US"/>
               <a:t>Second level</a:t>
             </a:r>
           </a:p>
           <a:p>
             <a:pPr lvl="2"/>
             <a:r>
-              <a:rPr lang="en-US" smtClean="0"/>
+              <a:rPr lang="en-US"/>
               <a:t>Third level</a:t>
             </a:r>
           </a:p>
           <a:p>
             <a:pPr lvl="3"/>
             <a:r>
-              <a:rPr lang="en-US" smtClean="0"/>
+              <a:rPr lang="en-US"/>
               <a:t>Fourth level</a:t>
             </a:r>
           </a:p>
           <a:p>
             <a:pPr lvl="4"/>
             <a:r>
-              <a:rPr lang="en-US" smtClean="0"/>
+              <a:rPr lang="en-US"/>
               <a:t>Fifth level</a:t>
             </a:r>
-            <a:endParaRPr lang="en-US"/>
           </a:p>
         </p:txBody>
       </p:sp>
@@ -2731,10 +2729,9 @@
           <a:lstStyle/>
           <a:p>
             <a:r>
-              <a:rPr lang="en-US" smtClean="0"/>
+              <a:rPr lang="en-US"/>
               <a:t>Click to edit Master title style</a:t>
             </a:r>
-            <a:endParaRPr lang="en-US"/>
           </a:p>
         </p:txBody>
       </p:sp>
@@ -2760,38 +2757,37 @@
           <a:p>
             <a:pPr lvl="0"/>
             <a:r>
-              <a:rPr lang="en-US" smtClean="0"/>
+              <a:rPr lang="en-US"/>
               <a:t>Click to edit Master text styles</a:t>
             </a:r>
           </a:p>
           <a:p>
             <a:pPr lvl="1"/>
             <a:r>
-              <a:rPr lang="en-US" smtClean="0"/>
+              <a:rPr lang="en-US"/>
               <a:t>Second level</a:t>
             </a:r>
           </a:p>
           <a:p>
             <a:pPr lvl="2"/>
             <a:r>
-              <a:rPr lang="en-US" smtClean="0"/>
+              <a:rPr lang="en-US"/>
               <a:t>Third level</a:t>
             </a:r>
           </a:p>
           <a:p>
             <a:pPr lvl="3"/>
             <a:r>
-              <a:rPr lang="en-US" smtClean="0"/>
+              <a:rPr lang="en-US"/>
               <a:t>Fourth level</a:t>
             </a:r>
           </a:p>
           <a:p>
             <a:pPr lvl="4"/>
             <a:r>
-              <a:rPr lang="en-US" smtClean="0"/>
+              <a:rPr lang="en-US"/>
               <a:t>Fifth level</a:t>
             </a:r>
-            <a:endParaRPr lang="en-US"/>
           </a:p>
         </p:txBody>
       </p:sp>
@@ -2817,38 +2813,37 @@
           <a:p>
             <a:pPr lvl="0"/>
             <a:r>
-              <a:rPr lang="en-US" smtClean="0"/>
+              <a:rPr lang="en-US"/>
               <a:t>Click to edit Master text styles</a:t>
             </a:r>
           </a:p>
           <a:p>
             <a:pPr lvl="1"/>
             <a:r>
-              <a:rPr lang="en-US" smtClean="0"/>
+              <a:rPr lang="en-US"/>
               <a:t>Second level</a:t>
             </a:r>
           </a:p>
           <a:p>
             <a:pPr lvl="2"/>
             <a:r>
-              <a:rPr lang="en-US" smtClean="0"/>
+              <a:rPr lang="en-US"/>
               <a:t>Third level</a:t>
             </a:r>
           </a:p>
           <a:p>
             <a:pPr lvl="3"/>
             <a:r>
-              <a:rPr lang="en-US" smtClean="0"/>
+              <a:rPr lang="en-US"/>
               <a:t>Fourth level</a:t>
             </a:r>
           </a:p>
           <a:p>
             <a:pPr lvl="4"/>
             <a:r>
-              <a:rPr lang="en-US" smtClean="0"/>
+              <a:rPr lang="en-US"/>
               <a:t>Fifth level</a:t>
             </a:r>
-            <a:endParaRPr lang="en-US"/>
           </a:p>
         </p:txBody>
       </p:sp>
@@ -2874,38 +2869,37 @@
           <a:p>
             <a:pPr lvl="0"/>
             <a:r>
-              <a:rPr lang="en-US" smtClean="0"/>
+              <a:rPr lang="en-US"/>
               <a:t>Click to edit Master text styles</a:t>
             </a:r>
           </a:p>
           <a:p>
             <a:pPr lvl="1"/>
             <a:r>
-              <a:rPr lang="en-US" smtClean="0"/>
+              <a:rPr lang="en-US"/>
               <a:t>Second level</a:t>
             </a:r>
           </a:p>
           <a:p>
             <a:pPr lvl="2"/>
             <a:r>
-              <a:rPr lang="en-US" smtClean="0"/>
+              <a:rPr lang="en-US"/>
               <a:t>Third level</a:t>
             </a:r>
           </a:p>
           <a:p>
             <a:pPr lvl="3"/>
             <a:r>
-              <a:rPr lang="en-US" smtClean="0"/>
+              <a:rPr lang="en-US"/>
               <a:t>Fourth level</a:t>
             </a:r>
           </a:p>
           <a:p>
             <a:pPr lvl="4"/>
             <a:r>
-              <a:rPr lang="en-US" smtClean="0"/>
+              <a:rPr lang="en-US"/>
               <a:t>Fifth level</a:t>
             </a:r>
-            <a:endParaRPr lang="en-US"/>
           </a:p>
         </p:txBody>
       </p:sp>
@@ -7669,11 +7663,11 @@
           <a:p>
             <a:pPr lvl="0"/>
             <a:r>
-              <a:rPr lang="en-US" sz="4800" dirty="0" smtClean="0"/>
+              <a:rPr lang="en-US" sz="4800" dirty="0"/>
               <a:t>KẾ </a:t>
             </a:r>
             <a:r>
-              <a:rPr lang="en-US" sz="4800" dirty="0" err="1" smtClean="0"/>
+              <a:rPr lang="en-US" sz="4800" dirty="0" err="1"/>
               <a:t>THỪA</a:t>
             </a:r>
             <a:endParaRPr lang="en-US" sz="4800" dirty="0"/>
@@ -7716,11 +7710,7 @@
             </a:pPr>
             <a:r>
               <a:rPr lang="en" dirty="0"/>
-              <a:t>Khóa học </a:t>
-            </a:r>
-            <a:r>
-              <a:rPr lang="en" dirty="0" smtClean="0"/>
-              <a:t>Java</a:t>
+              <a:t>Khóa học Java</a:t>
             </a:r>
             <a:endParaRPr dirty="0"/>
           </a:p>
@@ -7768,7 +7758,7 @@
           </a:xfrm>
           <a:extLst>
             <a:ext uri="{FAA26D3D-D897-4be2-8F04-BA451C77F1D7}">
-              <ma14:placeholderFlag xmlns="" xmlns:ma14="http://schemas.microsoft.com/office/mac/drawingml/2011/main" val="1"/>
+              <ma14:placeholderFlag xmlns:ma14="http://schemas.microsoft.com/office/mac/drawingml/2011/main" xmlns="" val="1"/>
             </a:ext>
           </a:extLst>
         </p:spPr>
@@ -7779,15 +7769,15 @@
           <a:lstStyle/>
           <a:p>
             <a:r>
-              <a:rPr lang="en-US" altLang="en-US" sz="2700" dirty="0" err="1" smtClean="0"/>
+              <a:rPr lang="en-US" altLang="en-US" sz="2700" dirty="0" err="1"/>
               <a:t>KHAI</a:t>
             </a:r>
             <a:r>
-              <a:rPr lang="en-US" altLang="en-US" sz="2700" dirty="0" smtClean="0"/>
-              <a:t> </a:t>
-            </a:r>
-            <a:r>
-              <a:rPr lang="en-US" altLang="en-US" sz="2700" dirty="0" err="1" smtClean="0"/>
+              <a:rPr lang="en-US" altLang="en-US" sz="2700" dirty="0"/>
+              <a:t> </a:t>
+            </a:r>
+            <a:r>
+              <a:rPr lang="en-US" altLang="en-US" sz="2700" dirty="0" err="1"/>
               <a:t>BÁO</a:t>
             </a:r>
             <a:endParaRPr lang="en-US" altLang="en-US" sz="2700" dirty="0"/>
@@ -7895,13 +7885,6 @@
   <p:clrMapOvr>
     <a:masterClrMapping/>
   </p:clrMapOvr>
-  <p:timing>
-    <p:tnLst>
-      <p:par>
-        <p:cTn id="1" dur="indefinite" restart="never" nodeType="tmRoot"/>
-      </p:par>
-    </p:tnLst>
-  </p:timing>
 </p:sld>
 </file>
 
@@ -7997,13 +7980,6 @@
   <p:clrMapOvr>
     <a:masterClrMapping/>
   </p:clrMapOvr>
-  <p:timing>
-    <p:tnLst>
-      <p:par>
-        <p:cTn id="1" dur="indefinite" restart="never" nodeType="tmRoot"/>
-      </p:par>
-    </p:tnLst>
-  </p:timing>
 </p:sld>
 </file>
 
@@ -8037,7 +8013,7 @@
         <p:spPr>
           <a:extLst>
             <a:ext uri="{FAA26D3D-D897-4be2-8F04-BA451C77F1D7}">
-              <ma14:placeholderFlag xmlns="" xmlns:ma14="http://schemas.microsoft.com/office/mac/drawingml/2011/main" val="1"/>
+              <ma14:placeholderFlag xmlns:ma14="http://schemas.microsoft.com/office/mac/drawingml/2011/main" xmlns="" val="1"/>
             </a:ext>
           </a:extLst>
         </p:spPr>
@@ -8048,11 +8024,11 @@
           <a:lstStyle/>
           <a:p>
             <a:r>
-              <a:rPr lang="en-US" altLang="en-US" sz="2700" dirty="0" smtClean="0"/>
+              <a:rPr lang="en-US" altLang="en-US" sz="2700" dirty="0"/>
               <a:t>CÁC KIỂU KẾ </a:t>
             </a:r>
             <a:r>
-              <a:rPr lang="en-US" altLang="en-US" sz="2700" dirty="0" err="1" smtClean="0"/>
+              <a:rPr lang="en-US" altLang="en-US" sz="2700" dirty="0" err="1"/>
               <a:t>THỪA</a:t>
             </a:r>
             <a:endParaRPr lang="en-US" altLang="en-US" sz="2700" dirty="0"/>
@@ -8093,7 +8069,7 @@
               </a:tabLst>
             </a:pPr>
             <a:r>
-              <a:rPr lang="en-US" sz="2800" dirty="0" smtClean="0">
+              <a:rPr lang="en-US" sz="2800" dirty="0">
                 <a:solidFill>
                   <a:srgbClr val="343A40"/>
                 </a:solidFill>
@@ -8587,13 +8563,6 @@
   <p:clrMapOvr>
     <a:masterClrMapping/>
   </p:clrMapOvr>
-  <p:timing>
-    <p:tnLst>
-      <p:par>
-        <p:cTn id="1" dur="indefinite" restart="never" nodeType="tmRoot"/>
-      </p:par>
-    </p:tnLst>
-  </p:timing>
 </p:sld>
 </file>
 
@@ -8627,7 +8596,7 @@
         <p:spPr>
           <a:extLst>
             <a:ext uri="{FAA26D3D-D897-4be2-8F04-BA451C77F1D7}">
-              <ma14:placeholderFlag xmlns="" xmlns:ma14="http://schemas.microsoft.com/office/mac/drawingml/2011/main" val="1"/>
+              <ma14:placeholderFlag xmlns:ma14="http://schemas.microsoft.com/office/mac/drawingml/2011/main" xmlns="" val="1"/>
             </a:ext>
           </a:extLst>
         </p:spPr>
@@ -8638,18 +8607,9 @@
           <a:lstStyle/>
           <a:p>
             <a:r>
-              <a:rPr lang="en-US" altLang="en-US" sz="2700" dirty="0" smtClean="0"/>
-              <a:t>KIỂU KẾ</a:t>
-            </a:r>
-            <a:r>
               <a:rPr lang="en-US" altLang="en-US" sz="2700" dirty="0"/>
-              <a:t> </a:t>
-            </a:r>
-            <a:r>
-              <a:rPr lang="en-US" altLang="en-US" sz="2700" dirty="0" smtClean="0"/>
-              <a:t>ĐƠN (SINGLE)</a:t>
-            </a:r>
-            <a:endParaRPr lang="en-US" altLang="en-US" sz="2700" dirty="0"/>
+              <a:t>KIỂU KẾ ĐƠN (SINGLE)</a:t>
+            </a:r>
           </a:p>
         </p:txBody>
       </p:sp>
@@ -9031,13 +8991,6 @@
   <p:clrMapOvr>
     <a:masterClrMapping/>
   </p:clrMapOvr>
-  <p:timing>
-    <p:tnLst>
-      <p:par>
-        <p:cTn id="1" dur="indefinite" restart="never" nodeType="tmRoot"/>
-      </p:par>
-    </p:tnLst>
-  </p:timing>
 </p:sld>
 </file>
 
@@ -9071,7 +9024,7 @@
         <p:spPr>
           <a:extLst>
             <a:ext uri="{FAA26D3D-D897-4be2-8F04-BA451C77F1D7}">
-              <ma14:placeholderFlag xmlns="" xmlns:ma14="http://schemas.microsoft.com/office/mac/drawingml/2011/main" val="1"/>
+              <ma14:placeholderFlag xmlns:ma14="http://schemas.microsoft.com/office/mac/drawingml/2011/main" xmlns="" val="1"/>
             </a:ext>
           </a:extLst>
         </p:spPr>
@@ -9082,12 +9035,8 @@
           <a:lstStyle/>
           <a:p>
             <a:r>
-              <a:rPr lang="en-US" altLang="en-US" sz="2700" dirty="0" smtClean="0"/>
-              <a:t>KIỂU KẾ ĐƠN </a:t>
-            </a:r>
-            <a:r>
               <a:rPr lang="en-US" altLang="en-US" sz="2700" dirty="0"/>
-              <a:t>(SINGLE)</a:t>
+              <a:t>KIỂU KẾ ĐƠN (SINGLE)</a:t>
             </a:r>
           </a:p>
         </p:txBody>
@@ -9155,13 +9104,6 @@
   <p:clrMapOvr>
     <a:masterClrMapping/>
   </p:clrMapOvr>
-  <p:timing>
-    <p:tnLst>
-      <p:par>
-        <p:cTn id="1" dur="indefinite" restart="never" nodeType="tmRoot"/>
-      </p:par>
-    </p:tnLst>
-  </p:timing>
 </p:sld>
 </file>
 
@@ -9195,7 +9137,7 @@
         <p:spPr>
           <a:extLst>
             <a:ext uri="{FAA26D3D-D897-4be2-8F04-BA451C77F1D7}">
-              <ma14:placeholderFlag xmlns="" xmlns:ma14="http://schemas.microsoft.com/office/mac/drawingml/2011/main" val="1"/>
+              <ma14:placeholderFlag xmlns:ma14="http://schemas.microsoft.com/office/mac/drawingml/2011/main" xmlns="" val="1"/>
             </a:ext>
           </a:extLst>
         </p:spPr>
@@ -9206,34 +9148,33 @@
           <a:lstStyle/>
           <a:p>
             <a:r>
-              <a:rPr lang="en-US" altLang="en-US" sz="2700" dirty="0" smtClean="0"/>
+              <a:rPr lang="en-US" altLang="en-US" sz="2700" dirty="0"/>
               <a:t>KẾ </a:t>
             </a:r>
             <a:r>
-              <a:rPr lang="en-US" altLang="en-US" sz="2700" dirty="0" err="1" smtClean="0"/>
+              <a:rPr lang="en-US" altLang="en-US" sz="2700" dirty="0" err="1"/>
               <a:t>THỪA</a:t>
             </a:r>
             <a:r>
-              <a:rPr lang="en-US" altLang="en-US" sz="2700" dirty="0" smtClean="0"/>
-              <a:t> </a:t>
-            </a:r>
-            <a:r>
-              <a:rPr lang="en-US" altLang="en-US" sz="2700" dirty="0" err="1" smtClean="0"/>
+              <a:rPr lang="en-US" altLang="en-US" sz="2700" dirty="0"/>
+              <a:t> </a:t>
+            </a:r>
+            <a:r>
+              <a:rPr lang="en-US" altLang="en-US" sz="2700" dirty="0" err="1"/>
               <a:t>ĐA</a:t>
             </a:r>
             <a:r>
-              <a:rPr lang="en-US" altLang="en-US" sz="2700" dirty="0" smtClean="0"/>
-              <a:t> </a:t>
-            </a:r>
-            <a:r>
-              <a:rPr lang="en-US" altLang="en-US" sz="2700" dirty="0" err="1" smtClean="0"/>
+              <a:rPr lang="en-US" altLang="en-US" sz="2700" dirty="0"/>
+              <a:t> </a:t>
+            </a:r>
+            <a:r>
+              <a:rPr lang="en-US" altLang="en-US" sz="2700" dirty="0" err="1"/>
               <a:t>CẤP</a:t>
             </a:r>
             <a:r>
-              <a:rPr lang="en-US" altLang="en-US" sz="2700" dirty="0" smtClean="0"/>
+              <a:rPr lang="en-US" altLang="en-US" sz="2700" dirty="0"/>
               <a:t> (MULTILEVEL)</a:t>
             </a:r>
-            <a:endParaRPr lang="en-US" altLang="en-US" sz="2700" dirty="0"/>
           </a:p>
         </p:txBody>
       </p:sp>
@@ -9511,7 +9452,7 @@
               </a:tabLst>
             </a:pPr>
             <a:r>
-              <a:rPr lang="en-US" sz="1800" dirty="0" smtClean="0">
+              <a:rPr lang="en-US" sz="1800" dirty="0">
                 <a:solidFill>
                   <a:srgbClr val="333333"/>
                 </a:solidFill>
@@ -9566,10 +9507,21 @@
                 <a:ea typeface="Times New Roman" panose="02020603050405020304" pitchFamily="18" charset="0"/>
                 <a:cs typeface="Times New Roman" panose="02020603050405020304" pitchFamily="18" charset="0"/>
               </a:rPr>
-              <a:t> </a:t>
-            </a:r>
-            <a:r>
-              <a:rPr lang="en-US" sz="1800" dirty="0" smtClean="0">
+              <a:t> C </a:t>
+            </a:r>
+            <a:r>
+              <a:rPr lang="en-US" sz="1800" b="1" dirty="0">
+                <a:solidFill>
+                  <a:srgbClr val="006699"/>
+                </a:solidFill>
+                <a:latin typeface="Segoe UI" panose="020B0502040204020203" pitchFamily="34" charset="0"/>
+                <a:ea typeface="Times New Roman" panose="02020603050405020304" pitchFamily="18" charset="0"/>
+                <a:cs typeface="Times New Roman" panose="02020603050405020304" pitchFamily="18" charset="0"/>
+              </a:rPr>
+              <a:t>extends</a:t>
+            </a:r>
+            <a:r>
+              <a:rPr lang="en-US" sz="1800" dirty="0">
                 <a:solidFill>
                   <a:srgbClr val="333333"/>
                 </a:solidFill>
@@ -9577,49 +9529,8 @@
                 <a:ea typeface="Times New Roman" panose="02020603050405020304" pitchFamily="18" charset="0"/>
                 <a:cs typeface="Times New Roman" panose="02020603050405020304" pitchFamily="18" charset="0"/>
               </a:rPr>
-              <a:t>C </a:t>
-            </a:r>
-            <a:r>
-              <a:rPr lang="en-US" sz="1800" b="1" dirty="0">
-                <a:solidFill>
-                  <a:srgbClr val="006699"/>
-                </a:solidFill>
-                <a:latin typeface="Segoe UI" panose="020B0502040204020203" pitchFamily="34" charset="0"/>
-                <a:ea typeface="Times New Roman" panose="02020603050405020304" pitchFamily="18" charset="0"/>
-                <a:cs typeface="Times New Roman" panose="02020603050405020304" pitchFamily="18" charset="0"/>
-              </a:rPr>
-              <a:t>extends</a:t>
-            </a:r>
-            <a:r>
-              <a:rPr lang="en-US" sz="1800" dirty="0">
-                <a:solidFill>
-                  <a:srgbClr val="333333"/>
-                </a:solidFill>
-                <a:latin typeface="Courier New" panose="02070309020205020404" pitchFamily="49" charset="0"/>
-                <a:ea typeface="Times New Roman" panose="02020603050405020304" pitchFamily="18" charset="0"/>
-                <a:cs typeface="Times New Roman" panose="02020603050405020304" pitchFamily="18" charset="0"/>
-              </a:rPr>
-              <a:t> </a:t>
-            </a:r>
-            <a:r>
-              <a:rPr lang="en-US" sz="1800" dirty="0" smtClean="0">
-                <a:solidFill>
-                  <a:srgbClr val="333333"/>
-                </a:solidFill>
-                <a:latin typeface="Courier New" panose="02070309020205020404" pitchFamily="49" charset="0"/>
-                <a:ea typeface="Times New Roman" panose="02020603050405020304" pitchFamily="18" charset="0"/>
-                <a:cs typeface="Times New Roman" panose="02020603050405020304" pitchFamily="18" charset="0"/>
-              </a:rPr>
-              <a:t>B{</a:t>
-            </a:r>
-            <a:endParaRPr lang="en-US" sz="1800" dirty="0">
-              <a:solidFill>
-                <a:srgbClr val="333333"/>
-              </a:solidFill>
-              <a:latin typeface="Courier New" panose="02070309020205020404" pitchFamily="49" charset="0"/>
-              <a:ea typeface="Times New Roman" panose="02020603050405020304" pitchFamily="18" charset="0"/>
-              <a:cs typeface="Times New Roman" panose="02020603050405020304" pitchFamily="18" charset="0"/>
-            </a:endParaRPr>
+              <a:t> B{</a:t>
+            </a:r>
           </a:p>
           <a:p>
             <a:pPr fontAlgn="base">
@@ -9682,7 +9593,7 @@
               </a:tabLst>
             </a:pPr>
             <a:r>
-              <a:rPr lang="en-US" sz="1800" dirty="0" smtClean="0">
+              <a:rPr lang="en-US" sz="1800" dirty="0">
                 <a:solidFill>
                   <a:srgbClr val="333333"/>
                 </a:solidFill>
@@ -9692,14 +9603,6 @@
               </a:rPr>
               <a:t>}</a:t>
             </a:r>
-            <a:endParaRPr lang="en-US" sz="1800" dirty="0">
-              <a:solidFill>
-                <a:srgbClr val="333333"/>
-              </a:solidFill>
-              <a:latin typeface="Courier New" panose="02070309020205020404" pitchFamily="49" charset="0"/>
-              <a:ea typeface="Times New Roman" panose="02020603050405020304" pitchFamily="18" charset="0"/>
-              <a:cs typeface="Times New Roman" panose="02020603050405020304" pitchFamily="18" charset="0"/>
-            </a:endParaRPr>
           </a:p>
         </p:txBody>
       </p:sp>
@@ -9794,13 +9697,6 @@
   <p:clrMapOvr>
     <a:masterClrMapping/>
   </p:clrMapOvr>
-  <p:timing>
-    <p:tnLst>
-      <p:par>
-        <p:cTn id="1" dur="indefinite" restart="never" nodeType="tmRoot"/>
-      </p:par>
-    </p:tnLst>
-  </p:timing>
 </p:sld>
 </file>
 
@@ -9834,7 +9730,7 @@
         <p:spPr>
           <a:extLst>
             <a:ext uri="{FAA26D3D-D897-4be2-8F04-BA451C77F1D7}">
-              <ma14:placeholderFlag xmlns="" xmlns:ma14="http://schemas.microsoft.com/office/mac/drawingml/2011/main" val="1"/>
+              <ma14:placeholderFlag xmlns:ma14="http://schemas.microsoft.com/office/mac/drawingml/2011/main" xmlns="" val="1"/>
             </a:ext>
           </a:extLst>
         </p:spPr>
@@ -9845,34 +9741,33 @@
           <a:lstStyle/>
           <a:p>
             <a:r>
-              <a:rPr lang="en-US" altLang="en-US" sz="2700" dirty="0" smtClean="0"/>
+              <a:rPr lang="en-US" altLang="en-US" sz="2700" dirty="0"/>
               <a:t>KẾ </a:t>
             </a:r>
             <a:r>
-              <a:rPr lang="en-US" altLang="en-US" sz="2700" dirty="0" err="1" smtClean="0"/>
+              <a:rPr lang="en-US" altLang="en-US" sz="2700" dirty="0" err="1"/>
               <a:t>THỪA</a:t>
             </a:r>
             <a:r>
-              <a:rPr lang="en-US" altLang="en-US" sz="2700" dirty="0" smtClean="0"/>
-              <a:t> </a:t>
-            </a:r>
-            <a:r>
-              <a:rPr lang="en-US" altLang="en-US" sz="2700" dirty="0" err="1" smtClean="0"/>
+              <a:rPr lang="en-US" altLang="en-US" sz="2700" dirty="0"/>
+              <a:t> </a:t>
+            </a:r>
+            <a:r>
+              <a:rPr lang="en-US" altLang="en-US" sz="2700" dirty="0" err="1"/>
               <a:t>ĐA</a:t>
             </a:r>
             <a:r>
-              <a:rPr lang="en-US" altLang="en-US" sz="2700" dirty="0" smtClean="0"/>
-              <a:t> </a:t>
-            </a:r>
-            <a:r>
-              <a:rPr lang="en-US" altLang="en-US" sz="2700" dirty="0" err="1" smtClean="0"/>
+              <a:rPr lang="en-US" altLang="en-US" sz="2700" dirty="0"/>
+              <a:t> </a:t>
+            </a:r>
+            <a:r>
+              <a:rPr lang="en-US" altLang="en-US" sz="2700" dirty="0" err="1"/>
               <a:t>CẤP</a:t>
             </a:r>
             <a:r>
-              <a:rPr lang="en-US" altLang="en-US" sz="2700" dirty="0" smtClean="0"/>
+              <a:rPr lang="en-US" altLang="en-US" sz="2700" dirty="0"/>
               <a:t> (MULTILEVEL)</a:t>
             </a:r>
-            <a:endParaRPr lang="en-US" altLang="en-US" sz="2700" dirty="0"/>
           </a:p>
         </p:txBody>
       </p:sp>
@@ -9939,13 +9834,6 @@
   <p:clrMapOvr>
     <a:masterClrMapping/>
   </p:clrMapOvr>
-  <p:timing>
-    <p:tnLst>
-      <p:par>
-        <p:cTn id="1" dur="indefinite" restart="never" nodeType="tmRoot"/>
-      </p:par>
-    </p:tnLst>
-  </p:timing>
 </p:sld>
 </file>
 
@@ -9979,7 +9867,7 @@
         <p:spPr>
           <a:extLst>
             <a:ext uri="{FAA26D3D-D897-4be2-8F04-BA451C77F1D7}">
-              <ma14:placeholderFlag xmlns="" xmlns:ma14="http://schemas.microsoft.com/office/mac/drawingml/2011/main" val="1"/>
+              <ma14:placeholderFlag xmlns:ma14="http://schemas.microsoft.com/office/mac/drawingml/2011/main" xmlns="" val="1"/>
             </a:ext>
           </a:extLst>
         </p:spPr>
@@ -9990,34 +9878,33 @@
           <a:lstStyle/>
           <a:p>
             <a:r>
-              <a:rPr lang="en-US" altLang="en-US" sz="2700" dirty="0" smtClean="0"/>
+              <a:rPr lang="en-US" altLang="en-US" sz="2700" dirty="0"/>
               <a:t>KẾ </a:t>
             </a:r>
             <a:r>
-              <a:rPr lang="en-US" altLang="en-US" sz="2700" dirty="0" err="1" smtClean="0"/>
+              <a:rPr lang="en-US" altLang="en-US" sz="2700" dirty="0" err="1"/>
               <a:t>THỪA</a:t>
             </a:r>
             <a:r>
-              <a:rPr lang="en-US" altLang="en-US" sz="2700" dirty="0" smtClean="0"/>
-              <a:t> </a:t>
-            </a:r>
-            <a:r>
-              <a:rPr lang="en-US" altLang="en-US" sz="2700" dirty="0" err="1" smtClean="0"/>
+              <a:rPr lang="en-US" altLang="en-US" sz="2700" dirty="0"/>
+              <a:t> </a:t>
+            </a:r>
+            <a:r>
+              <a:rPr lang="en-US" altLang="en-US" sz="2700" dirty="0" err="1"/>
               <a:t>PHÂN</a:t>
             </a:r>
             <a:r>
-              <a:rPr lang="en-US" altLang="en-US" sz="2700" dirty="0" smtClean="0"/>
-              <a:t> </a:t>
-            </a:r>
-            <a:r>
-              <a:rPr lang="en-US" altLang="en-US" sz="2700" dirty="0" err="1" smtClean="0"/>
+              <a:rPr lang="en-US" altLang="en-US" sz="2700" dirty="0"/>
+              <a:t> </a:t>
+            </a:r>
+            <a:r>
+              <a:rPr lang="en-US" altLang="en-US" sz="2700" dirty="0" err="1"/>
               <a:t>CẤP</a:t>
             </a:r>
             <a:r>
-              <a:rPr lang="en-US" altLang="en-US" sz="2700" dirty="0" smtClean="0"/>
+              <a:rPr lang="en-US" altLang="en-US" sz="2700" dirty="0"/>
               <a:t> (HIERARCHICAL)</a:t>
             </a:r>
-            <a:endParaRPr lang="en-US" altLang="en-US" sz="2700" dirty="0"/>
           </a:p>
         </p:txBody>
       </p:sp>
@@ -10295,7 +10182,7 @@
               </a:tabLst>
             </a:pPr>
             <a:r>
-              <a:rPr lang="en-US" sz="1800" dirty="0" smtClean="0">
+              <a:rPr lang="en-US" sz="1800" dirty="0">
                 <a:solidFill>
                   <a:srgbClr val="333333"/>
                 </a:solidFill>
@@ -10350,10 +10237,21 @@
                 <a:ea typeface="Times New Roman" panose="02020603050405020304" pitchFamily="18" charset="0"/>
                 <a:cs typeface="Times New Roman" panose="02020603050405020304" pitchFamily="18" charset="0"/>
               </a:rPr>
-              <a:t> </a:t>
-            </a:r>
-            <a:r>
-              <a:rPr lang="en-US" sz="1800" dirty="0" smtClean="0">
+              <a:t> C </a:t>
+            </a:r>
+            <a:r>
+              <a:rPr lang="en-US" sz="1800" b="1" dirty="0">
+                <a:solidFill>
+                  <a:srgbClr val="006699"/>
+                </a:solidFill>
+                <a:latin typeface="Segoe UI" panose="020B0502040204020203" pitchFamily="34" charset="0"/>
+                <a:ea typeface="Times New Roman" panose="02020603050405020304" pitchFamily="18" charset="0"/>
+                <a:cs typeface="Times New Roman" panose="02020603050405020304" pitchFamily="18" charset="0"/>
+              </a:rPr>
+              <a:t>extends</a:t>
+            </a:r>
+            <a:r>
+              <a:rPr lang="en-US" sz="1800" dirty="0">
                 <a:solidFill>
                   <a:srgbClr val="333333"/>
                 </a:solidFill>
@@ -10361,49 +10259,8 @@
                 <a:ea typeface="Times New Roman" panose="02020603050405020304" pitchFamily="18" charset="0"/>
                 <a:cs typeface="Times New Roman" panose="02020603050405020304" pitchFamily="18" charset="0"/>
               </a:rPr>
-              <a:t>C </a:t>
-            </a:r>
-            <a:r>
-              <a:rPr lang="en-US" sz="1800" b="1" dirty="0">
-                <a:solidFill>
-                  <a:srgbClr val="006699"/>
-                </a:solidFill>
-                <a:latin typeface="Segoe UI" panose="020B0502040204020203" pitchFamily="34" charset="0"/>
-                <a:ea typeface="Times New Roman" panose="02020603050405020304" pitchFamily="18" charset="0"/>
-                <a:cs typeface="Times New Roman" panose="02020603050405020304" pitchFamily="18" charset="0"/>
-              </a:rPr>
-              <a:t>extends</a:t>
-            </a:r>
-            <a:r>
-              <a:rPr lang="en-US" sz="1800" dirty="0">
-                <a:solidFill>
-                  <a:srgbClr val="333333"/>
-                </a:solidFill>
-                <a:latin typeface="Courier New" panose="02070309020205020404" pitchFamily="49" charset="0"/>
-                <a:ea typeface="Times New Roman" panose="02020603050405020304" pitchFamily="18" charset="0"/>
-                <a:cs typeface="Times New Roman" panose="02020603050405020304" pitchFamily="18" charset="0"/>
-              </a:rPr>
-              <a:t> </a:t>
-            </a:r>
-            <a:r>
-              <a:rPr lang="en-US" sz="1800" dirty="0" smtClean="0">
-                <a:solidFill>
-                  <a:srgbClr val="333333"/>
-                </a:solidFill>
-                <a:latin typeface="Courier New" panose="02070309020205020404" pitchFamily="49" charset="0"/>
-                <a:ea typeface="Times New Roman" panose="02020603050405020304" pitchFamily="18" charset="0"/>
-                <a:cs typeface="Times New Roman" panose="02020603050405020304" pitchFamily="18" charset="0"/>
-              </a:rPr>
-              <a:t>A{</a:t>
-            </a:r>
-            <a:endParaRPr lang="en-US" sz="1800" dirty="0">
-              <a:solidFill>
-                <a:srgbClr val="333333"/>
-              </a:solidFill>
-              <a:latin typeface="Courier New" panose="02070309020205020404" pitchFamily="49" charset="0"/>
-              <a:ea typeface="Times New Roman" panose="02020603050405020304" pitchFamily="18" charset="0"/>
-              <a:cs typeface="Times New Roman" panose="02020603050405020304" pitchFamily="18" charset="0"/>
-            </a:endParaRPr>
+              <a:t> A{</a:t>
+            </a:r>
           </a:p>
           <a:p>
             <a:pPr fontAlgn="base">
@@ -10466,7 +10323,7 @@
               </a:tabLst>
             </a:pPr>
             <a:r>
-              <a:rPr lang="en-US" sz="1800" dirty="0" smtClean="0">
+              <a:rPr lang="en-US" sz="1800" dirty="0">
                 <a:solidFill>
                   <a:srgbClr val="333333"/>
                 </a:solidFill>
@@ -10476,14 +10333,6 @@
               </a:rPr>
               <a:t>}</a:t>
             </a:r>
-            <a:endParaRPr lang="en-US" sz="1800" dirty="0">
-              <a:solidFill>
-                <a:srgbClr val="333333"/>
-              </a:solidFill>
-              <a:latin typeface="Courier New" panose="02070309020205020404" pitchFamily="49" charset="0"/>
-              <a:ea typeface="Times New Roman" panose="02020603050405020304" pitchFamily="18" charset="0"/>
-              <a:cs typeface="Times New Roman" panose="02020603050405020304" pitchFamily="18" charset="0"/>
-            </a:endParaRPr>
           </a:p>
         </p:txBody>
       </p:sp>
@@ -10578,13 +10427,6 @@
   <p:clrMapOvr>
     <a:masterClrMapping/>
   </p:clrMapOvr>
-  <p:timing>
-    <p:tnLst>
-      <p:par>
-        <p:cTn id="1" dur="indefinite" restart="never" nodeType="tmRoot"/>
-      </p:par>
-    </p:tnLst>
-  </p:timing>
 </p:sld>
 </file>
 
@@ -10618,7 +10460,7 @@
         <p:spPr>
           <a:extLst>
             <a:ext uri="{FAA26D3D-D897-4be2-8F04-BA451C77F1D7}">
-              <ma14:placeholderFlag xmlns="" xmlns:ma14="http://schemas.microsoft.com/office/mac/drawingml/2011/main" val="1"/>
+              <ma14:placeholderFlag xmlns:ma14="http://schemas.microsoft.com/office/mac/drawingml/2011/main" xmlns="" val="1"/>
             </a:ext>
           </a:extLst>
         </p:spPr>
@@ -10629,34 +10471,33 @@
           <a:lstStyle/>
           <a:p>
             <a:r>
-              <a:rPr lang="en-US" altLang="en-US" sz="2700" dirty="0" smtClean="0"/>
+              <a:rPr lang="en-US" altLang="en-US" sz="2700" dirty="0"/>
               <a:t>KẾ </a:t>
             </a:r>
             <a:r>
-              <a:rPr lang="en-US" altLang="en-US" sz="2700" dirty="0" err="1" smtClean="0"/>
+              <a:rPr lang="en-US" altLang="en-US" sz="2700" dirty="0" err="1"/>
               <a:t>THỪA</a:t>
             </a:r>
             <a:r>
-              <a:rPr lang="en-US" altLang="en-US" sz="2700" dirty="0" smtClean="0"/>
-              <a:t> </a:t>
-            </a:r>
-            <a:r>
-              <a:rPr lang="en-US" altLang="en-US" sz="2700" dirty="0" err="1" smtClean="0"/>
+              <a:rPr lang="en-US" altLang="en-US" sz="2700" dirty="0"/>
+              <a:t> </a:t>
+            </a:r>
+            <a:r>
+              <a:rPr lang="en-US" altLang="en-US" sz="2700" dirty="0" err="1"/>
               <a:t>PHÂN</a:t>
             </a:r>
             <a:r>
-              <a:rPr lang="en-US" altLang="en-US" sz="2700" dirty="0" smtClean="0"/>
-              <a:t> </a:t>
-            </a:r>
-            <a:r>
-              <a:rPr lang="en-US" altLang="en-US" sz="2700" dirty="0" err="1" smtClean="0"/>
+              <a:rPr lang="en-US" altLang="en-US" sz="2700" dirty="0"/>
+              <a:t> </a:t>
+            </a:r>
+            <a:r>
+              <a:rPr lang="en-US" altLang="en-US" sz="2700" dirty="0" err="1"/>
               <a:t>CẤP</a:t>
             </a:r>
             <a:r>
-              <a:rPr lang="en-US" altLang="en-US" sz="2700" dirty="0" smtClean="0"/>
+              <a:rPr lang="en-US" altLang="en-US" sz="2700" dirty="0"/>
               <a:t> (HIERARCHICAL)</a:t>
             </a:r>
-            <a:endParaRPr lang="en-US" altLang="en-US" sz="2700" dirty="0"/>
           </a:p>
         </p:txBody>
       </p:sp>
@@ -10723,13 +10564,6 @@
   <p:clrMapOvr>
     <a:masterClrMapping/>
   </p:clrMapOvr>
-  <p:timing>
-    <p:tnLst>
-      <p:par>
-        <p:cTn id="1" dur="indefinite" restart="never" nodeType="tmRoot"/>
-      </p:par>
-    </p:tnLst>
-  </p:timing>
 </p:sld>
 </file>
 
@@ -10763,7 +10597,7 @@
         <p:spPr>
           <a:extLst>
             <a:ext uri="{FAA26D3D-D897-4be2-8F04-BA451C77F1D7}">
-              <ma14:placeholderFlag xmlns="" xmlns:ma14="http://schemas.microsoft.com/office/mac/drawingml/2011/main" val="1"/>
+              <ma14:placeholderFlag xmlns:ma14="http://schemas.microsoft.com/office/mac/drawingml/2011/main" xmlns="" val="1"/>
             </a:ext>
           </a:extLst>
         </p:spPr>
@@ -10774,26 +10608,25 @@
           <a:lstStyle/>
           <a:p>
             <a:r>
-              <a:rPr lang="en-US" altLang="en-US" sz="2700" dirty="0" smtClean="0"/>
+              <a:rPr lang="en-US" altLang="en-US" sz="2700" dirty="0"/>
               <a:t>KẾ </a:t>
             </a:r>
             <a:r>
-              <a:rPr lang="en-US" altLang="en-US" sz="2700" dirty="0" err="1" smtClean="0"/>
+              <a:rPr lang="en-US" altLang="en-US" sz="2700" dirty="0" err="1"/>
               <a:t>THỪA</a:t>
             </a:r>
             <a:r>
-              <a:rPr lang="en-US" altLang="en-US" sz="2700" dirty="0" smtClean="0"/>
-              <a:t> </a:t>
-            </a:r>
-            <a:r>
-              <a:rPr lang="en-US" altLang="en-US" sz="2700" dirty="0" err="1" smtClean="0"/>
+              <a:rPr lang="en-US" altLang="en-US" sz="2700" dirty="0"/>
+              <a:t> </a:t>
+            </a:r>
+            <a:r>
+              <a:rPr lang="en-US" altLang="en-US" sz="2700" dirty="0" err="1"/>
               <a:t>BỘI</a:t>
             </a:r>
             <a:r>
-              <a:rPr lang="en-US" altLang="en-US" sz="2700" dirty="0" smtClean="0"/>
+              <a:rPr lang="en-US" altLang="en-US" sz="2700" dirty="0"/>
               <a:t> (MULTIPLE)</a:t>
             </a:r>
-            <a:endParaRPr lang="en-US" altLang="en-US" sz="2700" dirty="0"/>
           </a:p>
         </p:txBody>
       </p:sp>
@@ -10860,7 +10693,7 @@
               </a:spcAft>
             </a:pPr>
             <a:r>
-              <a:rPr lang="en-US" sz="1800" dirty="0" smtClean="0">
+              <a:rPr lang="en-US" sz="1800" dirty="0">
                 <a:solidFill>
                   <a:srgbClr val="343A40"/>
                 </a:solidFill>
@@ -10893,7 +10726,7 @@
               <a:t> </a:t>
             </a:r>
             <a:r>
-              <a:rPr lang="en-US" sz="1800" dirty="0" err="1" smtClean="0">
+              <a:rPr lang="en-US" sz="1800" dirty="0" err="1">
                 <a:solidFill>
                   <a:srgbClr val="343A40"/>
                 </a:solidFill>
@@ -10904,7 +10737,7 @@
               <a:t>có</a:t>
             </a:r>
             <a:r>
-              <a:rPr lang="en-US" sz="1800" dirty="0" smtClean="0">
+              <a:rPr lang="en-US" sz="1800" dirty="0">
                 <a:solidFill>
                   <a:srgbClr val="343A40"/>
                 </a:solidFill>
@@ -11260,7 +11093,7 @@
               </a:spcAft>
             </a:pPr>
             <a:r>
-              <a:rPr lang="en-US" sz="1800" dirty="0" smtClean="0">
+              <a:rPr lang="en-US" sz="1800" dirty="0">
                 <a:solidFill>
                   <a:srgbClr val="343A40"/>
                 </a:solidFill>
@@ -11402,14 +11235,6 @@
               </a:rPr>
               <a:t>. </a:t>
             </a:r>
-            <a:endParaRPr lang="en-US" sz="1800" dirty="0" smtClean="0">
-              <a:solidFill>
-                <a:srgbClr val="343A40"/>
-              </a:solidFill>
-              <a:latin typeface="Segoe UI" panose="020B0502040204020203" pitchFamily="34" charset="0"/>
-              <a:ea typeface="Times New Roman" panose="02020603050405020304" pitchFamily="18" charset="0"/>
-              <a:cs typeface="Times New Roman" panose="02020603050405020304" pitchFamily="18" charset="0"/>
-            </a:endParaRPr>
           </a:p>
           <a:p>
             <a:pPr algn="just">
@@ -11421,7 +11246,7 @@
               </a:spcAft>
             </a:pPr>
             <a:r>
-              <a:rPr lang="en-US" sz="1800" dirty="0" smtClean="0">
+              <a:rPr lang="en-US" sz="1800" dirty="0">
                 <a:solidFill>
                   <a:srgbClr val="343A40"/>
                 </a:solidFill>
@@ -11648,13 +11473,6 @@
   <p:clrMapOvr>
     <a:masterClrMapping/>
   </p:clrMapOvr>
-  <p:timing>
-    <p:tnLst>
-      <p:par>
-        <p:cTn id="1" dur="indefinite" restart="never" nodeType="tmRoot"/>
-      </p:par>
-    </p:tnLst>
-  </p:timing>
 </p:sld>
 </file>
 
@@ -11709,35 +11527,35 @@
               </a:spcAft>
             </a:pPr>
             <a:r>
-              <a:rPr lang="en-US" dirty="0" err="1" smtClean="0"/>
+              <a:rPr lang="en-US" dirty="0" err="1"/>
               <a:t>Hiểu</a:t>
             </a:r>
             <a:r>
-              <a:rPr lang="en-US" dirty="0" smtClean="0"/>
-              <a:t> </a:t>
-            </a:r>
-            <a:r>
-              <a:rPr lang="en-US" dirty="0" err="1" smtClean="0"/>
+              <a:rPr lang="en-US" dirty="0"/>
+              <a:t> </a:t>
+            </a:r>
+            <a:r>
+              <a:rPr lang="en-US" dirty="0" err="1"/>
               <a:t>được</a:t>
             </a:r>
             <a:r>
-              <a:rPr lang="en-US" dirty="0" smtClean="0"/>
-              <a:t> </a:t>
-            </a:r>
-            <a:r>
-              <a:rPr lang="en-US" dirty="0" err="1" smtClean="0"/>
+              <a:rPr lang="en-US" dirty="0"/>
+              <a:t> </a:t>
+            </a:r>
+            <a:r>
+              <a:rPr lang="en-US" dirty="0" err="1"/>
               <a:t>các</a:t>
             </a:r>
             <a:r>
-              <a:rPr lang="en-US" dirty="0" smtClean="0"/>
+              <a:rPr lang="en-US" dirty="0"/>
               <a:t>  </a:t>
             </a:r>
             <a:r>
-              <a:rPr lang="en-US" dirty="0" err="1" smtClean="0"/>
+              <a:rPr lang="en-US" dirty="0" err="1"/>
               <a:t>các</a:t>
             </a:r>
             <a:r>
-              <a:rPr lang="en-US" dirty="0" smtClean="0"/>
+              <a:rPr lang="en-US" dirty="0"/>
               <a:t> </a:t>
             </a:r>
             <a:r>
@@ -11764,48 +11582,156 @@
               </a:spcAft>
             </a:pPr>
             <a:r>
-              <a:rPr lang="en-US" dirty="0" smtClean="0"/>
+              <a:rPr lang="en-US" dirty="0"/>
               <a:t>Biết </a:t>
             </a:r>
             <a:r>
-              <a:rPr lang="en-US" dirty="0" err="1" smtClean="0"/>
+              <a:rPr lang="en-US" dirty="0" err="1"/>
               <a:t>cách</a:t>
             </a:r>
             <a:r>
-              <a:rPr lang="en-US" dirty="0" smtClean="0"/>
-              <a:t> </a:t>
-            </a:r>
-            <a:r>
-              <a:rPr lang="en-US" dirty="0" err="1" smtClean="0"/>
+              <a:rPr lang="en-US" dirty="0"/>
+              <a:t> </a:t>
+            </a:r>
+            <a:r>
+              <a:rPr lang="en-US" dirty="0" err="1"/>
               <a:t>tạo</a:t>
             </a:r>
             <a:r>
-              <a:rPr lang="en-US" dirty="0" smtClean="0"/>
-              <a:t> </a:t>
-            </a:r>
-            <a:r>
-              <a:rPr lang="en-US" dirty="0" err="1" smtClean="0"/>
+              <a:rPr lang="en-US" dirty="0"/>
+              <a:t> </a:t>
+            </a:r>
+            <a:r>
+              <a:rPr lang="en-US" dirty="0" err="1"/>
               <a:t>lớp</a:t>
             </a:r>
             <a:r>
-              <a:rPr lang="en-US" dirty="0" smtClean="0"/>
-              <a:t> </a:t>
-            </a:r>
-            <a:r>
-              <a:rPr lang="en-US" dirty="0" err="1" smtClean="0"/>
+              <a:rPr lang="en-US" dirty="0"/>
+              <a:t> </a:t>
+            </a:r>
+            <a:r>
+              <a:rPr lang="en-US" dirty="0" err="1"/>
               <a:t>kế</a:t>
             </a:r>
             <a:r>
-              <a:rPr lang="en-US" dirty="0" smtClean="0"/>
-              <a:t> </a:t>
-            </a:r>
-            <a:r>
-              <a:rPr lang="en-US" dirty="0" err="1" smtClean="0"/>
+              <a:rPr lang="en-US" dirty="0"/>
+              <a:t> </a:t>
+            </a:r>
+            <a:r>
+              <a:rPr lang="en-US" dirty="0" err="1"/>
               <a:t>thừa</a:t>
             </a:r>
             <a:r>
-              <a:rPr lang="en-US" dirty="0" smtClean="0"/>
-              <a:t> </a:t>
+              <a:rPr lang="en-US" dirty="0"/>
+              <a:t> </a:t>
+            </a:r>
+          </a:p>
+          <a:p>
+            <a:pPr>
+              <a:spcBef>
+                <a:spcPts val="600"/>
+              </a:spcBef>
+              <a:spcAft>
+                <a:spcPts val="600"/>
+              </a:spcAft>
+            </a:pPr>
+            <a:r>
+              <a:rPr lang="en-US" dirty="0" err="1"/>
+              <a:t>Hiểu</a:t>
+            </a:r>
+            <a:r>
+              <a:rPr lang="en-US" dirty="0"/>
+              <a:t> </a:t>
+            </a:r>
+            <a:r>
+              <a:rPr lang="en-US" dirty="0" err="1"/>
+              <a:t>về</a:t>
+            </a:r>
+            <a:r>
+              <a:rPr lang="en-US" dirty="0"/>
+              <a:t> </a:t>
+            </a:r>
+            <a:r>
+              <a:rPr lang="en-US" dirty="0" err="1"/>
+              <a:t>các</a:t>
+            </a:r>
+            <a:r>
+              <a:rPr lang="en-US" dirty="0"/>
+              <a:t> </a:t>
+            </a:r>
+            <a:r>
+              <a:rPr lang="en-US" dirty="0" err="1"/>
+              <a:t>kiểu</a:t>
+            </a:r>
+            <a:r>
+              <a:rPr lang="en-US" dirty="0"/>
+              <a:t> </a:t>
+            </a:r>
+            <a:r>
+              <a:rPr lang="en-US" dirty="0" err="1"/>
+              <a:t>kế</a:t>
+            </a:r>
+            <a:r>
+              <a:rPr lang="en-US" dirty="0"/>
+              <a:t> </a:t>
+            </a:r>
+            <a:r>
+              <a:rPr lang="en-US" dirty="0" err="1"/>
+              <a:t>thừa</a:t>
+            </a:r>
+            <a:r>
+              <a:rPr lang="en-US" dirty="0"/>
+              <a:t> </a:t>
+            </a:r>
+            <a:r>
+              <a:rPr lang="en-US" dirty="0" err="1"/>
+              <a:t>trong</a:t>
+            </a:r>
+            <a:r>
+              <a:rPr lang="en-US" dirty="0"/>
+              <a:t> java</a:t>
+            </a:r>
+          </a:p>
+          <a:p>
+            <a:pPr>
+              <a:spcBef>
+                <a:spcPts val="600"/>
+              </a:spcBef>
+              <a:spcAft>
+                <a:spcPts val="600"/>
+              </a:spcAft>
+            </a:pPr>
+            <a:r>
+              <a:rPr lang="en-US" dirty="0"/>
+              <a:t>Biết </a:t>
+            </a:r>
+            <a:r>
+              <a:rPr lang="en-US" dirty="0" err="1"/>
+              <a:t>cách</a:t>
+            </a:r>
+            <a:r>
+              <a:rPr lang="en-US" dirty="0"/>
+              <a:t> </a:t>
+            </a:r>
+            <a:r>
+              <a:rPr lang="en-US" dirty="0" err="1"/>
+              <a:t>viết</a:t>
+            </a:r>
+            <a:r>
+              <a:rPr lang="en-US" dirty="0"/>
+              <a:t> </a:t>
+            </a:r>
+            <a:r>
+              <a:rPr lang="en-US" dirty="0" err="1"/>
+              <a:t>hàm</a:t>
+            </a:r>
+            <a:r>
+              <a:rPr lang="en-US" dirty="0"/>
+              <a:t> </a:t>
+            </a:r>
+            <a:r>
+              <a:rPr lang="en-US" dirty="0" err="1"/>
+              <a:t>tạo</a:t>
             </a:r>
             <a:endParaRPr lang="en-US" dirty="0"/>
           </a:p>
@@ -11819,32 +11745,12 @@
               </a:spcAft>
             </a:pPr>
             <a:r>
-              <a:rPr lang="en-US" dirty="0" err="1" smtClean="0"/>
-              <a:t>Hiểu</a:t>
-            </a:r>
-            <a:r>
-              <a:rPr lang="en-US" dirty="0" smtClean="0"/>
-              <a:t> </a:t>
-            </a:r>
-            <a:r>
-              <a:rPr lang="en-US" dirty="0" err="1" smtClean="0"/>
-              <a:t>về</a:t>
-            </a:r>
-            <a:r>
-              <a:rPr lang="en-US" dirty="0" smtClean="0"/>
-              <a:t> </a:t>
-            </a:r>
-            <a:r>
-              <a:rPr lang="en-US" dirty="0" err="1" smtClean="0"/>
-              <a:t>các</a:t>
-            </a:r>
-            <a:r>
-              <a:rPr lang="en-US" dirty="0" smtClean="0"/>
-              <a:t> </a:t>
+              <a:rPr lang="en-US" dirty="0"/>
+              <a:t>Biết </a:t>
             </a:r>
             <a:r>
               <a:rPr lang="en-US" dirty="0" err="1"/>
-              <a:t>kiểu</a:t>
+              <a:t>cách</a:t>
             </a:r>
             <a:r>
               <a:rPr lang="en-US" dirty="0"/>
@@ -11852,7 +11758,7 @@
             </a:r>
             <a:r>
               <a:rPr lang="en-US" dirty="0" err="1"/>
-              <a:t>kế</a:t>
+              <a:t>viết</a:t>
             </a:r>
             <a:r>
               <a:rPr lang="en-US" dirty="0"/>
@@ -11860,7 +11766,7 @@
             </a:r>
             <a:r>
               <a:rPr lang="en-US" dirty="0" err="1"/>
-              <a:t>thừa</a:t>
+              <a:t>hàm</a:t>
             </a:r>
             <a:r>
               <a:rPr lang="en-US" dirty="0"/>
@@ -11868,53 +11774,7 @@
             </a:r>
             <a:r>
               <a:rPr lang="en-US" dirty="0" err="1"/>
-              <a:t>trong</a:t>
-            </a:r>
-            <a:r>
-              <a:rPr lang="en-US" dirty="0"/>
-              <a:t> java</a:t>
-            </a:r>
-          </a:p>
-          <a:p>
-            <a:pPr>
-              <a:spcBef>
-                <a:spcPts val="600"/>
-              </a:spcBef>
-              <a:spcAft>
-                <a:spcPts val="600"/>
-              </a:spcAft>
-            </a:pPr>
-            <a:r>
-              <a:rPr lang="en-US" dirty="0" smtClean="0"/>
-              <a:t>Biết </a:t>
-            </a:r>
-            <a:r>
-              <a:rPr lang="en-US" dirty="0" err="1" smtClean="0"/>
-              <a:t>cách</a:t>
-            </a:r>
-            <a:r>
-              <a:rPr lang="en-US" dirty="0" smtClean="0"/>
-              <a:t> </a:t>
-            </a:r>
-            <a:r>
-              <a:rPr lang="en-US" dirty="0" err="1" smtClean="0"/>
-              <a:t>viết</a:t>
-            </a:r>
-            <a:r>
-              <a:rPr lang="en-US" dirty="0" smtClean="0"/>
-              <a:t> </a:t>
-            </a:r>
-            <a:r>
-              <a:rPr lang="en-US" dirty="0" err="1" smtClean="0"/>
-              <a:t>hàm</a:t>
-            </a:r>
-            <a:r>
-              <a:rPr lang="en-US" dirty="0" smtClean="0"/>
-              <a:t> </a:t>
-            </a:r>
-            <a:r>
-              <a:rPr lang="en-US" dirty="0" err="1"/>
-              <a:t>tạo</a:t>
+              <a:t>hủy</a:t>
             </a:r>
             <a:endParaRPr lang="en-US" dirty="0"/>
           </a:p>
@@ -11941,69 +11801,26 @@
             </a:r>
             <a:r>
               <a:rPr lang="en-US" dirty="0" err="1"/>
-              <a:t>viết</a:t>
+              <a:t>sử</a:t>
             </a:r>
             <a:r>
               <a:rPr lang="en-US" dirty="0"/>
               <a:t> </a:t>
             </a:r>
             <a:r>
-              <a:rPr lang="en-US" dirty="0" err="1" smtClean="0"/>
-              <a:t>hàm</a:t>
-            </a:r>
-            <a:r>
-              <a:rPr lang="en-US" dirty="0" smtClean="0"/>
-              <a:t> </a:t>
-            </a:r>
-            <a:r>
               <a:rPr lang="en-US" dirty="0" err="1"/>
-              <a:t>hủy</a:t>
-            </a:r>
-            <a:endParaRPr lang="en-US" dirty="0"/>
-          </a:p>
-          <a:p>
-            <a:pPr>
-              <a:spcBef>
-                <a:spcPts val="600"/>
-              </a:spcBef>
-              <a:spcAft>
-                <a:spcPts val="600"/>
-              </a:spcAft>
-            </a:pPr>
+              <a:t>dụng</a:t>
+            </a:r>
             <a:r>
               <a:rPr lang="en-US" dirty="0"/>
-              <a:t>Biết </a:t>
+              <a:t> </a:t>
             </a:r>
             <a:r>
               <a:rPr lang="en-US" dirty="0" err="1"/>
-              <a:t>cách</a:t>
+              <a:t>từ</a:t>
             </a:r>
             <a:r>
               <a:rPr lang="en-US" dirty="0"/>
-              <a:t> </a:t>
-            </a:r>
-            <a:r>
-              <a:rPr lang="en-US" dirty="0" err="1" smtClean="0"/>
-              <a:t>sử</a:t>
-            </a:r>
-            <a:r>
-              <a:rPr lang="en-US" dirty="0" smtClean="0"/>
-              <a:t> </a:t>
-            </a:r>
-            <a:r>
-              <a:rPr lang="en-US" dirty="0" err="1" smtClean="0"/>
-              <a:t>dụng</a:t>
-            </a:r>
-            <a:r>
-              <a:rPr lang="en-US" dirty="0" smtClean="0"/>
-              <a:t> </a:t>
-            </a:r>
-            <a:r>
-              <a:rPr lang="en-US" dirty="0" err="1" smtClean="0"/>
-              <a:t>từ</a:t>
-            </a:r>
-            <a:r>
-              <a:rPr lang="en-US" dirty="0" smtClean="0"/>
               <a:t> </a:t>
             </a:r>
             <a:r>
@@ -12032,7 +11849,7 @@
                 <a:spcPts val="600"/>
               </a:spcAft>
             </a:pPr>
-            <a:endParaRPr lang="en-US" dirty="0" smtClean="0"/>
+            <a:endParaRPr lang="en-US" dirty="0"/>
           </a:p>
           <a:p>
             <a:pPr lvl="0">
@@ -12127,7 +11944,7 @@
         <p:spPr>
           <a:extLst>
             <a:ext uri="{FAA26D3D-D897-4be2-8F04-BA451C77F1D7}">
-              <ma14:placeholderFlag xmlns="" xmlns:ma14="http://schemas.microsoft.com/office/mac/drawingml/2011/main" val="1"/>
+              <ma14:placeholderFlag xmlns:ma14="http://schemas.microsoft.com/office/mac/drawingml/2011/main" xmlns="" val="1"/>
             </a:ext>
           </a:extLst>
         </p:spPr>
@@ -12138,18 +11955,17 @@
           <a:lstStyle/>
           <a:p>
             <a:r>
-              <a:rPr lang="en-US" altLang="en-US" sz="2700" dirty="0" smtClean="0"/>
+              <a:rPr lang="en-US" altLang="en-US" sz="2700" dirty="0"/>
               <a:t>KẾ </a:t>
             </a:r>
             <a:r>
-              <a:rPr lang="en-US" altLang="en-US" sz="2700" dirty="0" err="1" smtClean="0"/>
+              <a:rPr lang="en-US" altLang="en-US" sz="2700" dirty="0" err="1"/>
               <a:t>THỪA</a:t>
             </a:r>
             <a:r>
-              <a:rPr lang="en-US" altLang="en-US" sz="2700" dirty="0" smtClean="0"/>
+              <a:rPr lang="en-US" altLang="en-US" sz="2700" dirty="0"/>
               <a:t> LAI (HYBRID)</a:t>
             </a:r>
-            <a:endParaRPr lang="en-US" altLang="en-US" sz="2700" dirty="0"/>
           </a:p>
         </p:txBody>
       </p:sp>
@@ -12183,7 +11999,7 @@
               </a:spcAft>
             </a:pPr>
             <a:r>
-              <a:rPr lang="en-US" sz="1800" dirty="0" smtClean="0">
+              <a:rPr lang="en-US" sz="1800" dirty="0">
                 <a:solidFill>
                   <a:srgbClr val="343A40"/>
                 </a:solidFill>
@@ -12194,17 +12010,6 @@
               <a:t>- </a:t>
             </a:r>
             <a:r>
-              <a:rPr lang="vi-VN" sz="1800" dirty="0" smtClean="0">
-                <a:solidFill>
-                  <a:srgbClr val="343A40"/>
-                </a:solidFill>
-                <a:latin typeface="Segoe UI" panose="020B0502040204020203" pitchFamily="34" charset="0"/>
-                <a:ea typeface="Times New Roman" panose="02020603050405020304" pitchFamily="18" charset="0"/>
-                <a:cs typeface="Times New Roman" panose="02020603050405020304" pitchFamily="18" charset="0"/>
-              </a:rPr>
-              <a:t>Kế </a:t>
-            </a:r>
-            <a:r>
               <a:rPr lang="vi-VN" sz="1800" dirty="0">
                 <a:solidFill>
                   <a:srgbClr val="343A40"/>
@@ -12213,9 +12018,9 @@
                 <a:ea typeface="Times New Roman" panose="02020603050405020304" pitchFamily="18" charset="0"/>
                 <a:cs typeface="Times New Roman" panose="02020603050405020304" pitchFamily="18" charset="0"/>
               </a:rPr>
-              <a:t>thừa lai là sự kết hợp của hai hoặc nhiều loại thừa kế trên. </a:t>
-            </a:r>
-            <a:endParaRPr lang="en-US" sz="1800" dirty="0" smtClean="0">
+              <a:t>Kế thừa lai là sự kết hợp của hai hoặc nhiều loại thừa kế trên. </a:t>
+            </a:r>
+            <a:endParaRPr lang="en-US" sz="1800" dirty="0">
               <a:solidFill>
                 <a:srgbClr val="343A40"/>
               </a:solidFill>
@@ -12234,7 +12039,7 @@
               </a:spcAft>
             </a:pPr>
             <a:r>
-              <a:rPr lang="en-US" sz="1800" dirty="0" smtClean="0">
+              <a:rPr lang="en-US" sz="1800" dirty="0">
                 <a:solidFill>
                   <a:srgbClr val="343A40"/>
                 </a:solidFill>
@@ -12245,17 +12050,6 @@
               <a:t>- </a:t>
             </a:r>
             <a:r>
-              <a:rPr lang="vi-VN" sz="1800" dirty="0" smtClean="0">
-                <a:solidFill>
-                  <a:srgbClr val="343A40"/>
-                </a:solidFill>
-                <a:latin typeface="Segoe UI" panose="020B0502040204020203" pitchFamily="34" charset="0"/>
-                <a:ea typeface="Times New Roman" panose="02020603050405020304" pitchFamily="18" charset="0"/>
-                <a:cs typeface="Times New Roman" panose="02020603050405020304" pitchFamily="18" charset="0"/>
-              </a:rPr>
-              <a:t>Vì </a:t>
-            </a:r>
-            <a:r>
               <a:rPr lang="vi-VN" sz="1800" dirty="0">
                 <a:solidFill>
                   <a:srgbClr val="343A40"/>
@@ -12264,7 +12058,7 @@
                 <a:ea typeface="Times New Roman" panose="02020603050405020304" pitchFamily="18" charset="0"/>
                 <a:cs typeface="Times New Roman" panose="02020603050405020304" pitchFamily="18" charset="0"/>
               </a:rPr>
-              <a:t>Java không hỗ trợ kế thừa bội, nên kế thừa lai cũng không thể thực hiện được với các lớp.</a:t>
+              <a:t>Vì Java không hỗ trợ kế thừa bội, nên kế thừa lai cũng không thể thực hiện được với các lớp.</a:t>
             </a:r>
             <a:endParaRPr lang="en-US" sz="1800" dirty="0">
               <a:effectLst/>
@@ -12318,13 +12112,6 @@
   <p:clrMapOvr>
     <a:masterClrMapping/>
   </p:clrMapOvr>
-  <p:timing>
-    <p:tnLst>
-      <p:par>
-        <p:cTn id="1" dur="indefinite" restart="never" nodeType="tmRoot"/>
-      </p:par>
-    </p:tnLst>
-  </p:timing>
 </p:sld>
 </file>
 
@@ -12404,13 +12191,6 @@
   <p:clrMapOvr>
     <a:masterClrMapping/>
   </p:clrMapOvr>
-  <p:timing>
-    <p:tnLst>
-      <p:par>
-        <p:cTn id="1" dur="indefinite" restart="never" nodeType="tmRoot"/>
-      </p:par>
-    </p:tnLst>
-  </p:timing>
 </p:sld>
 </file>
 
@@ -12444,7 +12224,7 @@
         <p:spPr>
           <a:extLst>
             <a:ext uri="{FAA26D3D-D897-4be2-8F04-BA451C77F1D7}">
-              <ma14:placeholderFlag xmlns="" xmlns:ma14="http://schemas.microsoft.com/office/mac/drawingml/2011/main" val="1"/>
+              <ma14:placeholderFlag xmlns:ma14="http://schemas.microsoft.com/office/mac/drawingml/2011/main" xmlns="" val="1"/>
             </a:ext>
           </a:extLst>
         </p:spPr>
@@ -12455,11 +12235,11 @@
           <a:lstStyle/>
           <a:p>
             <a:r>
-              <a:rPr lang="en-US" altLang="en-US" sz="2700" dirty="0" smtClean="0"/>
+              <a:rPr lang="en-US" altLang="en-US" sz="2700" dirty="0"/>
               <a:t>KHÁI </a:t>
             </a:r>
             <a:r>
-              <a:rPr lang="en-US" altLang="en-US" sz="2700" dirty="0" err="1" smtClean="0"/>
+              <a:rPr lang="en-US" altLang="en-US" sz="2700" dirty="0" err="1"/>
               <a:t>NIỆM</a:t>
             </a:r>
             <a:endParaRPr lang="en-US" altLang="en-US" sz="2700" dirty="0"/>
@@ -14066,13 +13846,6 @@
   <p:clrMapOvr>
     <a:masterClrMapping/>
   </p:clrMapOvr>
-  <p:timing>
-    <p:tnLst>
-      <p:par>
-        <p:cTn id="1" dur="indefinite" restart="never" nodeType="tmRoot"/>
-      </p:par>
-    </p:tnLst>
-  </p:timing>
 </p:sld>
 </file>
 
@@ -14106,7 +13879,7 @@
         <p:spPr>
           <a:extLst>
             <a:ext uri="{FAA26D3D-D897-4be2-8F04-BA451C77F1D7}">
-              <ma14:placeholderFlag xmlns="" xmlns:ma14="http://schemas.microsoft.com/office/mac/drawingml/2011/main" val="1"/>
+              <ma14:placeholderFlag xmlns:ma14="http://schemas.microsoft.com/office/mac/drawingml/2011/main" xmlns="" val="1"/>
             </a:ext>
           </a:extLst>
         </p:spPr>
@@ -14117,19 +13890,19 @@
           <a:lstStyle/>
           <a:p>
             <a:r>
-              <a:rPr lang="en-US" altLang="en-US" sz="2700" dirty="0" smtClean="0"/>
+              <a:rPr lang="en-US" altLang="en-US" sz="2700" dirty="0"/>
               <a:t>CÁC </a:t>
             </a:r>
             <a:r>
-              <a:rPr lang="en-US" altLang="en-US" sz="2700" dirty="0" err="1" smtClean="0"/>
+              <a:rPr lang="en-US" altLang="en-US" sz="2700" dirty="0" err="1"/>
               <a:t>LOẠI</a:t>
             </a:r>
             <a:r>
-              <a:rPr lang="en-US" altLang="en-US" sz="2700" dirty="0" smtClean="0"/>
+              <a:rPr lang="en-US" altLang="en-US" sz="2700" dirty="0"/>
               <a:t> HÀM </a:t>
             </a:r>
             <a:r>
-              <a:rPr lang="en-US" altLang="en-US" sz="2700" dirty="0" err="1" smtClean="0"/>
+              <a:rPr lang="en-US" altLang="en-US" sz="2700" dirty="0" err="1"/>
               <a:t>TẠO</a:t>
             </a:r>
             <a:endParaRPr lang="en-US" altLang="en-US" sz="2700" dirty="0"/>
@@ -14234,13 +14007,6 @@
   <p:clrMapOvr>
     <a:masterClrMapping/>
   </p:clrMapOvr>
-  <p:timing>
-    <p:tnLst>
-      <p:par>
-        <p:cTn id="1" dur="indefinite" restart="never" nodeType="tmRoot"/>
-      </p:par>
-    </p:tnLst>
-  </p:timing>
 </p:sld>
 </file>
 
@@ -14274,7 +14040,7 @@
         <p:spPr>
           <a:extLst>
             <a:ext uri="{FAA26D3D-D897-4be2-8F04-BA451C77F1D7}">
-              <ma14:placeholderFlag xmlns="" xmlns:ma14="http://schemas.microsoft.com/office/mac/drawingml/2011/main" val="1"/>
+              <ma14:placeholderFlag xmlns:ma14="http://schemas.microsoft.com/office/mac/drawingml/2011/main" xmlns="" val="1"/>
             </a:ext>
           </a:extLst>
         </p:spPr>
@@ -14285,38 +14051,37 @@
           <a:lstStyle/>
           <a:p>
             <a:r>
-              <a:rPr lang="en-US" altLang="en-US" sz="2700" dirty="0" err="1" smtClean="0"/>
+              <a:rPr lang="en-US" altLang="en-US" sz="2700" dirty="0" err="1"/>
               <a:t>QUY</a:t>
             </a:r>
             <a:r>
-              <a:rPr lang="en-US" altLang="en-US" sz="2700" dirty="0" smtClean="0"/>
-              <a:t> </a:t>
-            </a:r>
-            <a:r>
-              <a:rPr lang="en-US" altLang="en-US" sz="2700" dirty="0" err="1" smtClean="0"/>
+              <a:rPr lang="en-US" altLang="en-US" sz="2700" dirty="0"/>
+              <a:t> </a:t>
+            </a:r>
+            <a:r>
+              <a:rPr lang="en-US" altLang="en-US" sz="2700" dirty="0" err="1"/>
               <a:t>TẮC</a:t>
             </a:r>
             <a:r>
-              <a:rPr lang="en-US" altLang="en-US" sz="2700" dirty="0" smtClean="0"/>
-              <a:t> </a:t>
-            </a:r>
-            <a:r>
-              <a:rPr lang="en-US" altLang="en-US" sz="2700" dirty="0" err="1" smtClean="0"/>
+              <a:rPr lang="en-US" altLang="en-US" sz="2700" dirty="0"/>
+              <a:t> </a:t>
+            </a:r>
+            <a:r>
+              <a:rPr lang="en-US" altLang="en-US" sz="2700" dirty="0" err="1"/>
               <a:t>VIẾT</a:t>
             </a:r>
             <a:r>
-              <a:rPr lang="en-US" altLang="en-US" sz="2700" dirty="0" smtClean="0"/>
+              <a:rPr lang="en-US" altLang="en-US" sz="2700" dirty="0"/>
               <a:t> HÀM </a:t>
             </a:r>
             <a:r>
-              <a:rPr lang="en-US" altLang="en-US" sz="2700" dirty="0" err="1" smtClean="0"/>
+              <a:rPr lang="en-US" altLang="en-US" sz="2700" dirty="0" err="1"/>
               <a:t>TẠO</a:t>
             </a:r>
             <a:r>
-              <a:rPr lang="en-US" altLang="en-US" sz="2700" dirty="0" smtClean="0"/>
-              <a:t> </a:t>
-            </a:r>
-            <a:endParaRPr lang="en-US" altLang="en-US" sz="2700" dirty="0"/>
+              <a:rPr lang="en-US" altLang="en-US" sz="2700" dirty="0"/>
+              <a:t> </a:t>
+            </a:r>
           </a:p>
         </p:txBody>
       </p:sp>
@@ -14392,17 +14157,6 @@
               </a:spcAft>
             </a:pPr>
             <a:r>
-              <a:rPr lang="vi-VN" sz="2000" dirty="0" smtClean="0">
-                <a:solidFill>
-                  <a:srgbClr val="343A40"/>
-                </a:solidFill>
-                <a:latin typeface="Segoe UI" panose="020B0502040204020203" pitchFamily="34" charset="0"/>
-                <a:ea typeface="Times New Roman" panose="02020603050405020304" pitchFamily="18" charset="0"/>
-                <a:cs typeface="Times New Roman" panose="02020603050405020304" pitchFamily="18" charset="0"/>
-              </a:rPr>
-              <a:t>- Các </a:t>
-            </a:r>
-            <a:r>
               <a:rPr lang="vi-VN" sz="2000" dirty="0">
                 <a:solidFill>
                   <a:srgbClr val="343A40"/>
@@ -14411,9 +14165,9 @@
                 <a:ea typeface="Times New Roman" panose="02020603050405020304" pitchFamily="18" charset="0"/>
                 <a:cs typeface="Times New Roman" panose="02020603050405020304" pitchFamily="18" charset="0"/>
               </a:rPr>
-              <a:t>từ khóa không dùng với hàm tạo: </a:t>
-            </a:r>
-            <a:endParaRPr lang="en-US" sz="2000" dirty="0" smtClean="0">
+              <a:t>- Các từ khóa không dùng với hàm tạo: </a:t>
+            </a:r>
+            <a:endParaRPr lang="en-US" sz="2000" dirty="0">
               <a:solidFill>
                 <a:srgbClr val="343A40"/>
               </a:solidFill>
@@ -14432,7 +14186,7 @@
               </a:spcAft>
             </a:pPr>
             <a:r>
-              <a:rPr lang="en-US" sz="2000" dirty="0" smtClean="0">
+              <a:rPr lang="en-US" sz="2000" dirty="0">
                 <a:solidFill>
                   <a:srgbClr val="343A40"/>
                 </a:solidFill>
@@ -14443,7 +14197,7 @@
               <a:t>+ </a:t>
             </a:r>
             <a:r>
-              <a:rPr lang="vi-VN" sz="2000" dirty="0" smtClean="0">
+              <a:rPr lang="vi-VN" sz="2000" dirty="0">
                 <a:solidFill>
                   <a:srgbClr val="343A40"/>
                 </a:solidFill>
@@ -14453,7 +14207,7 @@
               </a:rPr>
               <a:t>abstract</a:t>
             </a:r>
-            <a:endParaRPr lang="en-US" sz="2000" dirty="0" smtClean="0">
+            <a:endParaRPr lang="en-US" sz="2000" dirty="0">
               <a:solidFill>
                 <a:srgbClr val="343A40"/>
               </a:solidFill>
@@ -14472,7 +14226,7 @@
               </a:spcAft>
             </a:pPr>
             <a:r>
-              <a:rPr lang="en-US" sz="2000" dirty="0" smtClean="0">
+              <a:rPr lang="en-US" sz="2000" dirty="0">
                 <a:solidFill>
                   <a:srgbClr val="343A40"/>
                 </a:solidFill>
@@ -14483,7 +14237,7 @@
               <a:t>+ </a:t>
             </a:r>
             <a:r>
-              <a:rPr lang="vi-VN" sz="2000" dirty="0" smtClean="0">
+              <a:rPr lang="vi-VN" sz="2000" dirty="0">
                 <a:solidFill>
                   <a:srgbClr val="343A40"/>
                 </a:solidFill>
@@ -14493,7 +14247,7 @@
               </a:rPr>
               <a:t>final</a:t>
             </a:r>
-            <a:endParaRPr lang="en-US" sz="2000" dirty="0" smtClean="0">
+            <a:endParaRPr lang="en-US" sz="2000" dirty="0">
               <a:solidFill>
                 <a:srgbClr val="343A40"/>
               </a:solidFill>
@@ -14512,7 +14266,7 @@
               </a:spcAft>
             </a:pPr>
             <a:r>
-              <a:rPr lang="en-US" sz="2000" dirty="0" smtClean="0">
+              <a:rPr lang="en-US" sz="2000" dirty="0">
                 <a:solidFill>
                   <a:srgbClr val="343A40"/>
                 </a:solidFill>
@@ -14523,7 +14277,7 @@
               <a:t>+ </a:t>
             </a:r>
             <a:r>
-              <a:rPr lang="vi-VN" sz="2000" dirty="0" smtClean="0">
+              <a:rPr lang="vi-VN" sz="2000" dirty="0">
                 <a:solidFill>
                   <a:srgbClr val="343A40"/>
                 </a:solidFill>
@@ -14533,7 +14287,7 @@
               </a:rPr>
               <a:t>static</a:t>
             </a:r>
-            <a:endParaRPr lang="en-US" sz="2000" dirty="0" smtClean="0">
+            <a:endParaRPr lang="en-US" sz="2000" dirty="0">
               <a:solidFill>
                 <a:srgbClr val="343A40"/>
               </a:solidFill>
@@ -14552,7 +14306,7 @@
               </a:spcAft>
             </a:pPr>
             <a:r>
-              <a:rPr lang="en-US" sz="2000" dirty="0" smtClean="0">
+              <a:rPr lang="en-US" sz="2000" dirty="0">
                 <a:solidFill>
                   <a:srgbClr val="343A40"/>
                 </a:solidFill>
@@ -14563,17 +14317,6 @@
               <a:t>+ </a:t>
             </a:r>
             <a:r>
-              <a:rPr lang="vi-VN" sz="2000" dirty="0" smtClean="0">
-                <a:solidFill>
-                  <a:srgbClr val="343A40"/>
-                </a:solidFill>
-                <a:latin typeface="Segoe UI" panose="020B0502040204020203" pitchFamily="34" charset="0"/>
-                <a:ea typeface="Times New Roman" panose="02020603050405020304" pitchFamily="18" charset="0"/>
-                <a:cs typeface="Times New Roman" panose="02020603050405020304" pitchFamily="18" charset="0"/>
-              </a:rPr>
-              <a:t>synchronized</a:t>
-            </a:r>
-            <a:r>
               <a:rPr lang="vi-VN" sz="2000" dirty="0">
                 <a:solidFill>
                   <a:srgbClr val="343A40"/>
@@ -14582,7 +14325,7 @@
                 <a:ea typeface="Times New Roman" panose="02020603050405020304" pitchFamily="18" charset="0"/>
                 <a:cs typeface="Times New Roman" panose="02020603050405020304" pitchFamily="18" charset="0"/>
               </a:rPr>
-              <a:t>.</a:t>
+              <a:t>synchronized.</a:t>
             </a:r>
           </a:p>
         </p:txBody>
@@ -14597,13 +14340,6 @@
   <p:clrMapOvr>
     <a:masterClrMapping/>
   </p:clrMapOvr>
-  <p:timing>
-    <p:tnLst>
-      <p:par>
-        <p:cTn id="1" dur="indefinite" restart="never" nodeType="tmRoot"/>
-      </p:par>
-    </p:tnLst>
-  </p:timing>
 </p:sld>
 </file>
 
@@ -14637,7 +14373,7 @@
         <p:spPr>
           <a:extLst>
             <a:ext uri="{FAA26D3D-D897-4be2-8F04-BA451C77F1D7}">
-              <ma14:placeholderFlag xmlns="" xmlns:ma14="http://schemas.microsoft.com/office/mac/drawingml/2011/main" val="1"/>
+              <ma14:placeholderFlag xmlns:ma14="http://schemas.microsoft.com/office/mac/drawingml/2011/main" xmlns="" val="1"/>
             </a:ext>
           </a:extLst>
         </p:spPr>
@@ -14648,34 +14384,33 @@
           <a:lstStyle/>
           <a:p>
             <a:r>
-              <a:rPr lang="en-US" altLang="en-US" sz="2700" dirty="0" smtClean="0"/>
+              <a:rPr lang="en-US" altLang="en-US" sz="2700" dirty="0"/>
               <a:t>HÀM </a:t>
             </a:r>
             <a:r>
-              <a:rPr lang="en-US" altLang="en-US" sz="2700" dirty="0" err="1" smtClean="0"/>
+              <a:rPr lang="en-US" altLang="en-US" sz="2700" dirty="0" err="1"/>
               <a:t>TẠO</a:t>
             </a:r>
             <a:r>
-              <a:rPr lang="en-US" altLang="en-US" sz="2700" dirty="0" smtClean="0"/>
-              <a:t> </a:t>
-            </a:r>
-            <a:r>
-              <a:rPr lang="en-US" altLang="en-US" sz="2700" dirty="0" err="1" smtClean="0"/>
+              <a:rPr lang="en-US" altLang="en-US" sz="2700" dirty="0"/>
+              <a:t> </a:t>
+            </a:r>
+            <a:r>
+              <a:rPr lang="en-US" altLang="en-US" sz="2700" dirty="0" err="1"/>
               <a:t>MẶC</a:t>
             </a:r>
             <a:r>
-              <a:rPr lang="en-US" altLang="en-US" sz="2700" dirty="0" smtClean="0"/>
-              <a:t> </a:t>
-            </a:r>
-            <a:r>
-              <a:rPr lang="en-US" altLang="en-US" sz="2700" dirty="0" err="1" smtClean="0"/>
+              <a:rPr lang="en-US" altLang="en-US" sz="2700" dirty="0"/>
+              <a:t> </a:t>
+            </a:r>
+            <a:r>
+              <a:rPr lang="en-US" altLang="en-US" sz="2700" dirty="0" err="1"/>
               <a:t>ĐỊNH</a:t>
             </a:r>
             <a:r>
-              <a:rPr lang="en-US" altLang="en-US" sz="2700" dirty="0" smtClean="0"/>
-              <a:t> </a:t>
-            </a:r>
-            <a:endParaRPr lang="en-US" altLang="en-US" sz="2700" dirty="0"/>
+              <a:rPr lang="en-US" altLang="en-US" sz="2700" dirty="0"/>
+              <a:t> </a:t>
+            </a:r>
           </a:p>
         </p:txBody>
       </p:sp>
@@ -14922,7 +14657,7 @@
               <a:t> </a:t>
             </a:r>
             <a:r>
-              <a:rPr lang="en-US" sz="1800" b="1" dirty="0" err="1" smtClean="0"/>
+              <a:rPr lang="en-US" sz="1800" b="1" dirty="0" err="1"/>
               <a:t>báo</a:t>
             </a:r>
             <a:endParaRPr lang="en-US" sz="1800" b="1" dirty="0"/>
@@ -14939,13 +14674,6 @@
   <p:clrMapOvr>
     <a:masterClrMapping/>
   </p:clrMapOvr>
-  <p:timing>
-    <p:tnLst>
-      <p:par>
-        <p:cTn id="1" dur="indefinite" restart="never" nodeType="tmRoot"/>
-      </p:par>
-    </p:tnLst>
-  </p:timing>
 </p:sld>
 </file>
 
@@ -14979,7 +14707,7 @@
         <p:spPr>
           <a:extLst>
             <a:ext uri="{FAA26D3D-D897-4be2-8F04-BA451C77F1D7}">
-              <ma14:placeholderFlag xmlns="" xmlns:ma14="http://schemas.microsoft.com/office/mac/drawingml/2011/main" val="1"/>
+              <ma14:placeholderFlag xmlns:ma14="http://schemas.microsoft.com/office/mac/drawingml/2011/main" xmlns="" val="1"/>
             </a:ext>
           </a:extLst>
         </p:spPr>
@@ -14990,34 +14718,33 @@
           <a:lstStyle/>
           <a:p>
             <a:r>
-              <a:rPr lang="en-US" altLang="en-US" sz="2700" dirty="0" smtClean="0"/>
+              <a:rPr lang="en-US" altLang="en-US" sz="2700" dirty="0"/>
               <a:t>HÀM </a:t>
             </a:r>
             <a:r>
-              <a:rPr lang="en-US" altLang="en-US" sz="2700" dirty="0" err="1" smtClean="0"/>
+              <a:rPr lang="en-US" altLang="en-US" sz="2700" dirty="0" err="1"/>
               <a:t>TẠO</a:t>
             </a:r>
             <a:r>
-              <a:rPr lang="en-US" altLang="en-US" sz="2700" dirty="0" smtClean="0"/>
-              <a:t> </a:t>
-            </a:r>
-            <a:r>
-              <a:rPr lang="en-US" altLang="en-US" sz="2700" dirty="0" err="1" smtClean="0"/>
+              <a:rPr lang="en-US" altLang="en-US" sz="2700" dirty="0"/>
+              <a:t> </a:t>
+            </a:r>
+            <a:r>
+              <a:rPr lang="en-US" altLang="en-US" sz="2700" dirty="0" err="1"/>
               <a:t>MẶC</a:t>
             </a:r>
             <a:r>
-              <a:rPr lang="en-US" altLang="en-US" sz="2700" dirty="0" smtClean="0"/>
-              <a:t> </a:t>
-            </a:r>
-            <a:r>
-              <a:rPr lang="en-US" altLang="en-US" sz="2700" dirty="0" err="1" smtClean="0"/>
+              <a:rPr lang="en-US" altLang="en-US" sz="2700" dirty="0"/>
+              <a:t> </a:t>
+            </a:r>
+            <a:r>
+              <a:rPr lang="en-US" altLang="en-US" sz="2700" dirty="0" err="1"/>
               <a:t>ĐỊNH</a:t>
             </a:r>
             <a:r>
-              <a:rPr lang="en-US" altLang="en-US" sz="2700" dirty="0" smtClean="0"/>
-              <a:t> </a:t>
-            </a:r>
-            <a:endParaRPr lang="en-US" altLang="en-US" sz="2700" dirty="0"/>
+              <a:rPr lang="en-US" altLang="en-US" sz="2700" dirty="0"/>
+              <a:t> </a:t>
+            </a:r>
           </a:p>
         </p:txBody>
       </p:sp>
@@ -15089,13 +14816,6 @@
   <p:clrMapOvr>
     <a:masterClrMapping/>
   </p:clrMapOvr>
-  <p:timing>
-    <p:tnLst>
-      <p:par>
-        <p:cTn id="1" dur="indefinite" restart="never" nodeType="tmRoot"/>
-      </p:par>
-    </p:tnLst>
-  </p:timing>
 </p:sld>
 </file>
 
@@ -15129,7 +14849,7 @@
         <p:spPr>
           <a:extLst>
             <a:ext uri="{FAA26D3D-D897-4be2-8F04-BA451C77F1D7}">
-              <ma14:placeholderFlag xmlns="" xmlns:ma14="http://schemas.microsoft.com/office/mac/drawingml/2011/main" val="1"/>
+              <ma14:placeholderFlag xmlns:ma14="http://schemas.microsoft.com/office/mac/drawingml/2011/main" xmlns="" val="1"/>
             </a:ext>
           </a:extLst>
         </p:spPr>
@@ -15618,21 +15338,10 @@
                 <a:ea typeface="Times New Roman" panose="02020603050405020304" pitchFamily="18" charset="0"/>
                 <a:cs typeface="Times New Roman" panose="02020603050405020304" pitchFamily="18" charset="0"/>
               </a:rPr>
-              <a:t>Hàm tạo được tham số hóa được sử dụng để cung cấp các giá trị khác nhau cho các đối tượng riêng </a:t>
-            </a:r>
-            <a:r>
-              <a:rPr lang="vi-VN" sz="1800" dirty="0" smtClean="0">
-                <a:solidFill>
-                  <a:srgbClr val="343A40"/>
-                </a:solidFill>
-                <a:latin typeface="Segoe UI" panose="020B0502040204020203" pitchFamily="34" charset="0"/>
-                <a:ea typeface="Times New Roman" panose="02020603050405020304" pitchFamily="18" charset="0"/>
-                <a:cs typeface="Times New Roman" panose="02020603050405020304" pitchFamily="18" charset="0"/>
-              </a:rPr>
-              <a:t>biệt</a:t>
-            </a:r>
-            <a:r>
-              <a:rPr lang="en-US" sz="1800" dirty="0" smtClean="0">
+              <a:t>Hàm tạo được tham số hóa được sử dụng để cung cấp các giá trị khác nhau cho các đối tượng riêng biệt</a:t>
+            </a:r>
+            <a:r>
+              <a:rPr lang="en-US" sz="1800" dirty="0">
                 <a:solidFill>
                   <a:srgbClr val="343A40"/>
                 </a:solidFill>
@@ -15688,7 +15397,7 @@
               <a:t> </a:t>
             </a:r>
             <a:r>
-              <a:rPr lang="en-US" sz="1800" b="1" dirty="0" err="1" smtClean="0"/>
+              <a:rPr lang="en-US" sz="1800" b="1" dirty="0" err="1"/>
               <a:t>báo</a:t>
             </a:r>
             <a:endParaRPr lang="en-US" sz="1800" b="1" dirty="0"/>
@@ -15705,13 +15414,6 @@
   <p:clrMapOvr>
     <a:masterClrMapping/>
   </p:clrMapOvr>
-  <p:timing>
-    <p:tnLst>
-      <p:par>
-        <p:cTn id="1" dur="indefinite" restart="never" nodeType="tmRoot"/>
-      </p:par>
-    </p:tnLst>
-  </p:timing>
 </p:sld>
 </file>
 
@@ -15745,7 +15447,7 @@
         <p:spPr>
           <a:extLst>
             <a:ext uri="{FAA26D3D-D897-4be2-8F04-BA451C77F1D7}">
-              <ma14:placeholderFlag xmlns="" xmlns:ma14="http://schemas.microsoft.com/office/mac/drawingml/2011/main" val="1"/>
+              <ma14:placeholderFlag xmlns:ma14="http://schemas.microsoft.com/office/mac/drawingml/2011/main" xmlns="" val="1"/>
             </a:ext>
           </a:extLst>
         </p:spPr>
@@ -15756,7 +15458,7 @@
           <a:lstStyle/>
           <a:p>
             <a:r>
-              <a:rPr lang="vi-VN" altLang="en-US" sz="2700" dirty="0" smtClean="0"/>
+              <a:rPr lang="vi-VN" altLang="en-US" sz="2700" dirty="0"/>
               <a:t>HÀM TẠO ĐƯỢC THAM SỐ HÓA</a:t>
             </a:r>
             <a:endParaRPr lang="en-US" altLang="en-US" sz="2700" dirty="0"/>
@@ -15831,13 +15533,6 @@
   <p:clrMapOvr>
     <a:masterClrMapping/>
   </p:clrMapOvr>
-  <p:timing>
-    <p:tnLst>
-      <p:par>
-        <p:cTn id="1" dur="indefinite" restart="never" nodeType="tmRoot"/>
-      </p:par>
-    </p:tnLst>
-  </p:timing>
 </p:sld>
 </file>
 
@@ -15871,7 +15566,7 @@
         <p:spPr>
           <a:extLst>
             <a:ext uri="{FAA26D3D-D897-4be2-8F04-BA451C77F1D7}">
-              <ma14:placeholderFlag xmlns="" xmlns:ma14="http://schemas.microsoft.com/office/mac/drawingml/2011/main" val="1"/>
+              <ma14:placeholderFlag xmlns:ma14="http://schemas.microsoft.com/office/mac/drawingml/2011/main" xmlns="" val="1"/>
             </a:ext>
           </a:extLst>
         </p:spPr>
@@ -15882,7 +15577,7 @@
           <a:lstStyle/>
           <a:p>
             <a:r>
-              <a:rPr lang="vi-VN" altLang="en-US" sz="2700" dirty="0" smtClean="0"/>
+              <a:rPr lang="vi-VN" altLang="en-US" sz="2700" dirty="0"/>
               <a:t>NẠP CHỒNG HÀM TẠO </a:t>
             </a:r>
             <a:endParaRPr lang="en-US" altLang="en-US" sz="2700" dirty="0"/>
@@ -15919,7 +15614,7 @@
               </a:spcAft>
             </a:pPr>
             <a:r>
-              <a:rPr lang="en-US" sz="1800" dirty="0" smtClean="0">
+              <a:rPr lang="en-US" sz="1800" dirty="0">
                 <a:solidFill>
                   <a:srgbClr val="343A40"/>
                 </a:solidFill>
@@ -15930,7 +15625,7 @@
               <a:t>- </a:t>
             </a:r>
             <a:r>
-              <a:rPr lang="en-US" sz="1800" dirty="0" err="1" smtClean="0">
+              <a:rPr lang="en-US" sz="1800" dirty="0" err="1">
                 <a:solidFill>
                   <a:srgbClr val="343A40"/>
                 </a:solidFill>
@@ -15941,7 +15636,7 @@
               <a:t>Hàm</a:t>
             </a:r>
             <a:r>
-              <a:rPr lang="en-US" sz="1800" dirty="0" smtClean="0">
+              <a:rPr lang="en-US" sz="1800" dirty="0">
                 <a:solidFill>
                   <a:srgbClr val="343A40"/>
                 </a:solidFill>
@@ -16215,14 +15910,6 @@
               </a:rPr>
               <a:t>. </a:t>
             </a:r>
-            <a:endParaRPr lang="en-US" sz="1800" dirty="0" smtClean="0">
-              <a:solidFill>
-                <a:srgbClr val="343A40"/>
-              </a:solidFill>
-              <a:latin typeface="Segoe UI" panose="020B0502040204020203" pitchFamily="34" charset="0"/>
-              <a:ea typeface="Times New Roman" panose="02020603050405020304" pitchFamily="18" charset="0"/>
-              <a:cs typeface="Times New Roman" panose="02020603050405020304" pitchFamily="18" charset="0"/>
-            </a:endParaRPr>
           </a:p>
           <a:p>
             <a:pPr algn="just">
@@ -16234,7 +15921,7 @@
               </a:spcAft>
             </a:pPr>
             <a:r>
-              <a:rPr lang="en-US" sz="1800" dirty="0" smtClean="0">
+              <a:rPr lang="en-US" sz="1800" dirty="0">
                 <a:solidFill>
                   <a:srgbClr val="343A40"/>
                 </a:solidFill>
@@ -16245,7 +15932,7 @@
               <a:t>- </a:t>
             </a:r>
             <a:r>
-              <a:rPr lang="en-US" sz="1800" dirty="0" err="1" smtClean="0">
+              <a:rPr lang="en-US" sz="1800" dirty="0" err="1">
                 <a:solidFill>
                   <a:srgbClr val="343A40"/>
                 </a:solidFill>
@@ -16256,7 +15943,7 @@
               <a:t>Hàm</a:t>
             </a:r>
             <a:r>
-              <a:rPr lang="en-US" sz="1800" dirty="0" smtClean="0">
+              <a:rPr lang="en-US" sz="1800" dirty="0">
                 <a:solidFill>
                   <a:srgbClr val="343A40"/>
                 </a:solidFill>
@@ -16289,7 +15976,7 @@
               <a:t> </a:t>
             </a:r>
             <a:r>
-              <a:rPr lang="en-US" sz="1800" dirty="0" err="1" smtClean="0">
+              <a:rPr lang="en-US" sz="1800" dirty="0" err="1">
                 <a:solidFill>
                   <a:srgbClr val="343A40"/>
                 </a:solidFill>
@@ -16300,7 +15987,7 @@
               <a:t>có</a:t>
             </a:r>
             <a:r>
-              <a:rPr lang="en-US" sz="1800" dirty="0" smtClean="0">
+              <a:rPr lang="en-US" sz="1800" dirty="0">
                 <a:solidFill>
                   <a:srgbClr val="343A40"/>
                 </a:solidFill>
@@ -16480,7 +16167,7 @@
               </a:spcAft>
             </a:pPr>
             <a:r>
-              <a:rPr lang="en-US" sz="1800" dirty="0" smtClean="0">
+              <a:rPr lang="en-US" sz="1800" dirty="0">
                 <a:solidFill>
                   <a:srgbClr val="343A40"/>
                 </a:solidFill>
@@ -16491,7 +16178,7 @@
               <a:t>- </a:t>
             </a:r>
             <a:r>
-              <a:rPr lang="en-US" sz="1800" dirty="0" err="1" smtClean="0">
+              <a:rPr lang="en-US" sz="1800" dirty="0" err="1">
                 <a:solidFill>
                   <a:srgbClr val="343A40"/>
                 </a:solidFill>
@@ -16502,7 +16189,7 @@
               <a:t>Nạp</a:t>
             </a:r>
             <a:r>
-              <a:rPr lang="en-US" sz="1800" dirty="0" smtClean="0">
+              <a:rPr lang="en-US" sz="1800" dirty="0">
                 <a:solidFill>
                   <a:srgbClr val="343A40"/>
                 </a:solidFill>
@@ -16579,7 +16266,7 @@
               <a:t> </a:t>
             </a:r>
             <a:r>
-              <a:rPr lang="en-US" sz="1800" dirty="0" err="1" smtClean="0">
+              <a:rPr lang="en-US" sz="1800" dirty="0" err="1">
                 <a:solidFill>
                   <a:srgbClr val="343A40"/>
                 </a:solidFill>
@@ -16590,7 +16277,7 @@
               <a:t>là</a:t>
             </a:r>
             <a:r>
-              <a:rPr lang="en-US" sz="1800" dirty="0" smtClean="0">
+              <a:rPr lang="en-US" sz="1800" dirty="0">
                 <a:solidFill>
                   <a:srgbClr val="343A40"/>
                 </a:solidFill>
@@ -16974,14 +16661,6 @@
               </a:rPr>
               <a:t>. </a:t>
             </a:r>
-            <a:endParaRPr lang="en-US" sz="1800" dirty="0" smtClean="0">
-              <a:solidFill>
-                <a:srgbClr val="343A40"/>
-              </a:solidFill>
-              <a:latin typeface="Segoe UI" panose="020B0502040204020203" pitchFamily="34" charset="0"/>
-              <a:ea typeface="Times New Roman" panose="02020603050405020304" pitchFamily="18" charset="0"/>
-              <a:cs typeface="Times New Roman" panose="02020603050405020304" pitchFamily="18" charset="0"/>
-            </a:endParaRPr>
           </a:p>
         </p:txBody>
       </p:sp>
@@ -16995,13 +16674,6 @@
   <p:clrMapOvr>
     <a:masterClrMapping/>
   </p:clrMapOvr>
-  <p:timing>
-    <p:tnLst>
-      <p:par>
-        <p:cTn id="1" dur="indefinite" restart="never" nodeType="tmRoot"/>
-      </p:par>
-    </p:tnLst>
-  </p:timing>
 </p:sld>
 </file>
 
@@ -17053,15 +16725,15 @@
               </a:lnSpc>
             </a:pPr>
             <a:r>
-              <a:rPr lang="en-US" dirty="0" err="1" smtClean="0"/>
+              <a:rPr lang="en-US" dirty="0" err="1"/>
               <a:t>Giới</a:t>
             </a:r>
             <a:r>
-              <a:rPr lang="en-US" dirty="0" smtClean="0"/>
-              <a:t> </a:t>
-            </a:r>
-            <a:r>
-              <a:rPr lang="en-US" dirty="0" err="1" smtClean="0"/>
+              <a:rPr lang="en-US" dirty="0"/>
+              <a:t> </a:t>
+            </a:r>
+            <a:r>
+              <a:rPr lang="en-US" dirty="0" err="1"/>
               <a:t>thiệu</a:t>
             </a:r>
             <a:endParaRPr lang="en-US" dirty="0"/>
@@ -17078,13 +16750,6 @@
   <p:clrMapOvr>
     <a:masterClrMapping/>
   </p:clrMapOvr>
-  <p:timing>
-    <p:tnLst>
-      <p:par>
-        <p:cTn id="1" dur="indefinite" restart="never" nodeType="tmRoot"/>
-      </p:par>
-    </p:tnLst>
-  </p:timing>
 </p:sld>
 </file>
 
@@ -17118,7 +16783,7 @@
         <p:spPr>
           <a:extLst>
             <a:ext uri="{FAA26D3D-D897-4be2-8F04-BA451C77F1D7}">
-              <ma14:placeholderFlag xmlns="" xmlns:ma14="http://schemas.microsoft.com/office/mac/drawingml/2011/main" val="1"/>
+              <ma14:placeholderFlag xmlns:ma14="http://schemas.microsoft.com/office/mac/drawingml/2011/main" xmlns="" val="1"/>
             </a:ext>
           </a:extLst>
         </p:spPr>
@@ -17129,7 +16794,7 @@
           <a:lstStyle/>
           <a:p>
             <a:r>
-              <a:rPr lang="vi-VN" altLang="en-US" sz="2700" dirty="0" smtClean="0"/>
+              <a:rPr lang="vi-VN" altLang="en-US" sz="2700" dirty="0"/>
               <a:t>NẠP CHỒNG HÀM TẠO </a:t>
             </a:r>
             <a:endParaRPr lang="en-US" altLang="en-US" sz="2700" dirty="0"/>
@@ -17204,13 +16869,6 @@
   <p:clrMapOvr>
     <a:masterClrMapping/>
   </p:clrMapOvr>
-  <p:timing>
-    <p:tnLst>
-      <p:par>
-        <p:cTn id="1" dur="indefinite" restart="never" nodeType="tmRoot"/>
-      </p:par>
-    </p:tnLst>
-  </p:timing>
 </p:sld>
 </file>
 
@@ -17244,7 +16902,7 @@
         <p:spPr>
           <a:extLst>
             <a:ext uri="{FAA26D3D-D897-4be2-8F04-BA451C77F1D7}">
-              <ma14:placeholderFlag xmlns="" xmlns:ma14="http://schemas.microsoft.com/office/mac/drawingml/2011/main" val="1"/>
+              <ma14:placeholderFlag xmlns:ma14="http://schemas.microsoft.com/office/mac/drawingml/2011/main" xmlns="" val="1"/>
             </a:ext>
           </a:extLst>
         </p:spPr>
@@ -17255,7 +16913,7 @@
           <a:lstStyle/>
           <a:p>
             <a:r>
-              <a:rPr lang="vi-VN" altLang="en-US" sz="2700" dirty="0" smtClean="0"/>
+              <a:rPr lang="vi-VN" altLang="en-US" sz="2700" dirty="0"/>
               <a:t>SO SÁNH VỚI PHƯƠNG THỨC</a:t>
             </a:r>
             <a:endParaRPr lang="en-US" altLang="en-US" sz="2700" dirty="0"/>
@@ -17287,8 +16945,20 @@
                 <a:tableStyleId>{0660B408-B3CF-4A94-85FC-2B1E0A45F4A2}</a:tableStyleId>
               </a:tblPr>
               <a:tblGrid>
-                <a:gridCol w="4694271"/>
-                <a:gridCol w="3976654"/>
+                <a:gridCol w="4694271">
+                  <a:extLst>
+                    <a:ext uri="{9D8B030D-6E8A-4147-A177-3AD203B41FA5}">
+                      <a16:colId xmlns:a16="http://schemas.microsoft.com/office/drawing/2014/main" val="20000"/>
+                    </a:ext>
+                  </a:extLst>
+                </a:gridCol>
+                <a:gridCol w="3976654">
+                  <a:extLst>
+                    <a:ext uri="{9D8B030D-6E8A-4147-A177-3AD203B41FA5}">
+                      <a16:colId xmlns:a16="http://schemas.microsoft.com/office/drawing/2014/main" val="20001"/>
+                    </a:ext>
+                  </a:extLst>
+                </a:gridCol>
               </a:tblGrid>
               <a:tr h="501892">
                 <a:tc>
@@ -17361,6 +17031,11 @@
                   </a:txBody>
                   <a:tcPr marL="114300" marR="114300" marT="114300" marB="114300"/>
                 </a:tc>
+                <a:extLst>
+                  <a:ext uri="{0D108BD9-81ED-4DB2-BD59-A6C34878D82A}">
+                    <a16:rowId xmlns:a16="http://schemas.microsoft.com/office/drawing/2014/main" val="10000"/>
+                  </a:ext>
+                </a:extLst>
               </a:tr>
               <a:tr h="631697">
                 <a:tc>
@@ -17650,6 +17325,11 @@
                   </a:txBody>
                   <a:tcPr marL="76200" marR="76200" marT="76200" marB="76200"/>
                 </a:tc>
+                <a:extLst>
+                  <a:ext uri="{0D108BD9-81ED-4DB2-BD59-A6C34878D82A}">
+                    <a16:rowId xmlns:a16="http://schemas.microsoft.com/office/drawing/2014/main" val="10001"/>
+                  </a:ext>
+                </a:extLst>
               </a:tr>
               <a:tr h="406035">
                 <a:tc>
@@ -17873,6 +17553,11 @@
                   </a:txBody>
                   <a:tcPr marL="76200" marR="76200" marT="76200" marB="76200"/>
                 </a:tc>
+                <a:extLst>
+                  <a:ext uri="{0D108BD9-81ED-4DB2-BD59-A6C34878D82A}">
+                    <a16:rowId xmlns:a16="http://schemas.microsoft.com/office/drawing/2014/main" val="10002"/>
+                  </a:ext>
+                </a:extLst>
               </a:tr>
               <a:tr h="406035">
                 <a:tc>
@@ -18063,6 +17748,11 @@
                   </a:txBody>
                   <a:tcPr marL="76200" marR="76200" marT="76200" marB="76200"/>
                 </a:tc>
+                <a:extLst>
+                  <a:ext uri="{0D108BD9-81ED-4DB2-BD59-A6C34878D82A}">
+                    <a16:rowId xmlns:a16="http://schemas.microsoft.com/office/drawing/2014/main" val="10003"/>
+                  </a:ext>
+                </a:extLst>
               </a:tr>
               <a:tr h="857361">
                 <a:tc>
@@ -18869,6 +18559,11 @@
                   </a:txBody>
                   <a:tcPr marL="76200" marR="76200" marT="76200" marB="76200"/>
                 </a:tc>
+                <a:extLst>
+                  <a:ext uri="{0D108BD9-81ED-4DB2-BD59-A6C34878D82A}">
+                    <a16:rowId xmlns:a16="http://schemas.microsoft.com/office/drawing/2014/main" val="10004"/>
+                  </a:ext>
+                </a:extLst>
               </a:tr>
               <a:tr h="631697">
                 <a:tc>
@@ -19345,6 +19040,11 @@
                   </a:txBody>
                   <a:tcPr marL="76200" marR="76200" marT="76200" marB="76200"/>
                 </a:tc>
+                <a:extLst>
+                  <a:ext uri="{0D108BD9-81ED-4DB2-BD59-A6C34878D82A}">
+                    <a16:rowId xmlns:a16="http://schemas.microsoft.com/office/drawing/2014/main" val="10005"/>
+                  </a:ext>
+                </a:extLst>
               </a:tr>
             </a:tbl>
           </a:graphicData>
@@ -19360,13 +19060,6 @@
   <p:clrMapOvr>
     <a:masterClrMapping/>
   </p:clrMapOvr>
-  <p:timing>
-    <p:tnLst>
-      <p:par>
-        <p:cTn id="1" dur="indefinite" restart="never" nodeType="tmRoot"/>
-      </p:par>
-    </p:tnLst>
-  </p:timing>
 </p:sld>
 </file>
 
@@ -19400,7 +19093,7 @@
         <p:spPr>
           <a:extLst>
             <a:ext uri="{FAA26D3D-D897-4be2-8F04-BA451C77F1D7}">
-              <ma14:placeholderFlag xmlns="" xmlns:ma14="http://schemas.microsoft.com/office/mac/drawingml/2011/main" val="1"/>
+              <ma14:placeholderFlag xmlns:ma14="http://schemas.microsoft.com/office/mac/drawingml/2011/main" xmlns="" val="1"/>
             </a:ext>
           </a:extLst>
         </p:spPr>
@@ -19411,7 +19104,7 @@
           <a:lstStyle/>
           <a:p>
             <a:r>
-              <a:rPr lang="vi-VN" altLang="en-US" sz="2700" dirty="0" smtClean="0"/>
+              <a:rPr lang="vi-VN" altLang="en-US" sz="2700" dirty="0"/>
               <a:t>SAO CHÉP HÀM TẠO</a:t>
             </a:r>
             <a:endParaRPr lang="en-US" altLang="en-US" sz="2700" dirty="0"/>
@@ -19494,13 +19187,6 @@
   <p:clrMapOvr>
     <a:masterClrMapping/>
   </p:clrMapOvr>
-  <p:timing>
-    <p:tnLst>
-      <p:par>
-        <p:cTn id="1" dur="indefinite" restart="never" nodeType="tmRoot"/>
-      </p:par>
-    </p:tnLst>
-  </p:timing>
 </p:sld>
 </file>
 
@@ -19534,7 +19220,7 @@
         <p:spPr>
           <a:extLst>
             <a:ext uri="{FAA26D3D-D897-4be2-8F04-BA451C77F1D7}">
-              <ma14:placeholderFlag xmlns="" xmlns:ma14="http://schemas.microsoft.com/office/mac/drawingml/2011/main" val="1"/>
+              <ma14:placeholderFlag xmlns:ma14="http://schemas.microsoft.com/office/mac/drawingml/2011/main" xmlns="" val="1"/>
             </a:ext>
           </a:extLst>
         </p:spPr>
@@ -19545,7 +19231,7 @@
           <a:lstStyle/>
           <a:p>
             <a:r>
-              <a:rPr lang="vi-VN" altLang="en-US" sz="2700" dirty="0" smtClean="0"/>
+              <a:rPr lang="vi-VN" altLang="en-US" sz="2700" dirty="0"/>
               <a:t>SAO CHÉP HÀM TẠO</a:t>
             </a:r>
             <a:endParaRPr lang="en-US" altLang="en-US" sz="2700" dirty="0"/>
@@ -19649,13 +19335,6 @@
   <p:clrMapOvr>
     <a:masterClrMapping/>
   </p:clrMapOvr>
-  <p:timing>
-    <p:tnLst>
-      <p:par>
-        <p:cTn id="1" dur="indefinite" restart="never" nodeType="tmRoot"/>
-      </p:par>
-    </p:tnLst>
-  </p:timing>
 </p:sld>
 </file>
 
@@ -19735,13 +19414,6 @@
   <p:clrMapOvr>
     <a:masterClrMapping/>
   </p:clrMapOvr>
-  <p:timing>
-    <p:tnLst>
-      <p:par>
-        <p:cTn id="1" dur="indefinite" restart="never" nodeType="tmRoot"/>
-      </p:par>
-    </p:tnLst>
-  </p:timing>
 </p:sld>
 </file>
 
@@ -19775,7 +19447,7 @@
         <p:spPr>
           <a:extLst>
             <a:ext uri="{FAA26D3D-D897-4be2-8F04-BA451C77F1D7}">
-              <ma14:placeholderFlag xmlns="" xmlns:ma14="http://schemas.microsoft.com/office/mac/drawingml/2011/main" val="1"/>
+              <ma14:placeholderFlag xmlns:ma14="http://schemas.microsoft.com/office/mac/drawingml/2011/main" xmlns="" val="1"/>
             </a:ext>
           </a:extLst>
         </p:spPr>
@@ -19786,11 +19458,11 @@
           <a:lstStyle/>
           <a:p>
             <a:r>
-              <a:rPr lang="en-US" altLang="en-US" sz="2700" dirty="0" smtClean="0"/>
+              <a:rPr lang="en-US" altLang="en-US" sz="2700" dirty="0"/>
               <a:t>GIỚI </a:t>
             </a:r>
             <a:r>
-              <a:rPr lang="en-US" altLang="en-US" sz="2700" dirty="0" err="1" smtClean="0"/>
+              <a:rPr lang="en-US" altLang="en-US" sz="2700" dirty="0" err="1"/>
               <a:t>THIỆU</a:t>
             </a:r>
             <a:endParaRPr lang="en-US" altLang="en-US" sz="2700" dirty="0"/>
@@ -19827,7 +19499,7 @@
               </a:spcAft>
             </a:pPr>
             <a:r>
-              <a:rPr lang="en-US" sz="1800" dirty="0" smtClean="0">
+              <a:rPr lang="en-US" sz="1800" dirty="0">
                 <a:solidFill>
                   <a:srgbClr val="333333"/>
                 </a:solidFill>
@@ -19838,7 +19510,7 @@
               <a:t>- </a:t>
             </a:r>
             <a:r>
-              <a:rPr lang="en-US" sz="1800" dirty="0" err="1" smtClean="0">
+              <a:rPr lang="en-US" sz="1800" dirty="0" err="1">
                 <a:solidFill>
                   <a:srgbClr val="333333"/>
                 </a:solidFill>
@@ -19849,7 +19521,7 @@
               <a:t>Khi</a:t>
             </a:r>
             <a:r>
-              <a:rPr lang="en-US" sz="1800" dirty="0" smtClean="0">
+              <a:rPr lang="en-US" sz="1800" dirty="0">
                 <a:solidFill>
                   <a:srgbClr val="333333"/>
                 </a:solidFill>
@@ -20190,7 +19862,7 @@
               <a:t> (heap). </a:t>
             </a:r>
             <a:r>
-              <a:rPr lang="en-US" sz="1800" dirty="0" err="1" smtClean="0">
+              <a:rPr lang="en-US" sz="1800" dirty="0" err="1">
                 <a:solidFill>
                   <a:srgbClr val="333333"/>
                 </a:solidFill>
@@ -20201,7 +19873,7 @@
               <a:t>Để</a:t>
             </a:r>
             <a:r>
-              <a:rPr lang="en-US" sz="1800" dirty="0" smtClean="0">
+              <a:rPr lang="en-US" sz="1800" dirty="0">
                 <a:solidFill>
                   <a:srgbClr val="333333"/>
                 </a:solidFill>
@@ -20491,7 +20163,7 @@
               </a:spcAft>
             </a:pPr>
             <a:r>
-              <a:rPr lang="en-US" sz="1800" dirty="0" smtClean="0">
+              <a:rPr lang="en-US" sz="1800" dirty="0">
                 <a:solidFill>
                   <a:srgbClr val="333333"/>
                 </a:solidFill>
@@ -20502,7 +20174,7 @@
               <a:t>- </a:t>
             </a:r>
             <a:r>
-              <a:rPr lang="en-US" sz="1800" dirty="0" err="1" smtClean="0">
+              <a:rPr lang="en-US" sz="1800" dirty="0" err="1">
                 <a:solidFill>
                   <a:srgbClr val="333333"/>
                 </a:solidFill>
@@ -20513,7 +20185,7 @@
               <a:t>Hàm</a:t>
             </a:r>
             <a:r>
-              <a:rPr lang="en-US" sz="1800" dirty="0" smtClean="0">
+              <a:rPr lang="en-US" sz="1800" dirty="0">
                 <a:solidFill>
                   <a:srgbClr val="333333"/>
                 </a:solidFill>
@@ -20546,7 +20218,7 @@
               <a:t> </a:t>
             </a:r>
             <a:r>
-              <a:rPr lang="en-US" sz="1800" dirty="0" err="1" smtClean="0">
+              <a:rPr lang="en-US" sz="1800" dirty="0" err="1">
                 <a:solidFill>
                   <a:srgbClr val="333333"/>
                 </a:solidFill>
@@ -20557,7 +20229,7 @@
               <a:t>được</a:t>
             </a:r>
             <a:r>
-              <a:rPr lang="en-US" sz="1800" dirty="0" smtClean="0">
+              <a:rPr lang="en-US" sz="1800" dirty="0">
                 <a:solidFill>
                   <a:srgbClr val="333333"/>
                 </a:solidFill>
@@ -20935,7 +20607,7 @@
               </a:spcAft>
             </a:pPr>
             <a:r>
-              <a:rPr lang="en-US" sz="1800" dirty="0" smtClean="0">
+              <a:rPr lang="en-US" sz="1800" dirty="0">
                 <a:solidFill>
                   <a:srgbClr val="333333"/>
                 </a:solidFill>
@@ -20946,7 +20618,7 @@
               <a:t>- </a:t>
             </a:r>
             <a:r>
-              <a:rPr lang="en-US" sz="1800" dirty="0" err="1" smtClean="0">
+              <a:rPr lang="en-US" sz="1800" dirty="0" err="1">
                 <a:solidFill>
                   <a:srgbClr val="333333"/>
                 </a:solidFill>
@@ -20957,7 +20629,7 @@
               <a:t>Không</a:t>
             </a:r>
             <a:r>
-              <a:rPr lang="en-US" sz="1800" dirty="0" smtClean="0">
+              <a:rPr lang="en-US" sz="1800" dirty="0">
                 <a:solidFill>
                   <a:srgbClr val="333333"/>
                 </a:solidFill>
@@ -21099,14 +20771,6 @@
               </a:rPr>
               <a:t> Java. </a:t>
             </a:r>
-            <a:endParaRPr lang="en-US" sz="1800" dirty="0" smtClean="0">
-              <a:solidFill>
-                <a:srgbClr val="333333"/>
-              </a:solidFill>
-              <a:latin typeface="Segoe UI" panose="020B0502040204020203" pitchFamily="34" charset="0"/>
-              <a:ea typeface="Calibri" panose="020F0502020204030204" pitchFamily="34" charset="0"/>
-              <a:cs typeface="Times New Roman" panose="02020603050405020304" pitchFamily="18" charset="0"/>
-            </a:endParaRPr>
           </a:p>
           <a:p>
             <a:pPr algn="just">
@@ -21118,7 +20782,7 @@
               </a:spcAft>
             </a:pPr>
             <a:r>
-              <a:rPr lang="en-US" sz="1800" dirty="0" smtClean="0">
+              <a:rPr lang="en-US" sz="1800" dirty="0">
                 <a:solidFill>
                   <a:srgbClr val="333333"/>
                 </a:solidFill>
@@ -21392,14 +21056,6 @@
               </a:rPr>
               <a:t>. </a:t>
             </a:r>
-            <a:endParaRPr lang="en-US" sz="1800" dirty="0" smtClean="0">
-              <a:solidFill>
-                <a:srgbClr val="333333"/>
-              </a:solidFill>
-              <a:latin typeface="Segoe UI" panose="020B0502040204020203" pitchFamily="34" charset="0"/>
-              <a:ea typeface="Calibri" panose="020F0502020204030204" pitchFamily="34" charset="0"/>
-              <a:cs typeface="Times New Roman" panose="02020603050405020304" pitchFamily="18" charset="0"/>
-            </a:endParaRPr>
           </a:p>
           <a:p>
             <a:pPr algn="just">
@@ -21411,7 +21067,7 @@
               </a:spcAft>
             </a:pPr>
             <a:r>
-              <a:rPr lang="en-US" sz="1800" dirty="0" smtClean="0">
+              <a:rPr lang="en-US" sz="1800" dirty="0">
                 <a:solidFill>
                   <a:srgbClr val="333333"/>
                 </a:solidFill>
@@ -21422,7 +21078,7 @@
               <a:t>- </a:t>
             </a:r>
             <a:r>
-              <a:rPr lang="en-US" sz="1800" dirty="0" err="1" smtClean="0">
+              <a:rPr lang="en-US" sz="1800" dirty="0" err="1">
                 <a:solidFill>
                   <a:srgbClr val="333333"/>
                 </a:solidFill>
@@ -21433,7 +21089,7 @@
               <a:t>Trình</a:t>
             </a:r>
             <a:r>
-              <a:rPr lang="en-US" sz="1800" dirty="0" smtClean="0">
+              <a:rPr lang="en-US" sz="1800" dirty="0">
                 <a:solidFill>
                   <a:srgbClr val="333333"/>
                 </a:solidFill>
@@ -21971,14 +21627,6 @@
               </a:rPr>
               <a:t>. </a:t>
             </a:r>
-            <a:endParaRPr lang="en-US" sz="1800" dirty="0" smtClean="0">
-              <a:solidFill>
-                <a:srgbClr val="333333"/>
-              </a:solidFill>
-              <a:latin typeface="Segoe UI" panose="020B0502040204020203" pitchFamily="34" charset="0"/>
-              <a:ea typeface="Calibri" panose="020F0502020204030204" pitchFamily="34" charset="0"/>
-              <a:cs typeface="Times New Roman" panose="02020603050405020304" pitchFamily="18" charset="0"/>
-            </a:endParaRPr>
           </a:p>
         </p:txBody>
       </p:sp>
@@ -21992,13 +21640,6 @@
   <p:clrMapOvr>
     <a:masterClrMapping/>
   </p:clrMapOvr>
-  <p:timing>
-    <p:tnLst>
-      <p:par>
-        <p:cTn id="1" dur="indefinite" restart="never" nodeType="tmRoot"/>
-      </p:par>
-    </p:tnLst>
-  </p:timing>
 </p:sld>
 </file>
 
@@ -22032,7 +21673,7 @@
         <p:spPr>
           <a:extLst>
             <a:ext uri="{FAA26D3D-D897-4be2-8F04-BA451C77F1D7}">
-              <ma14:placeholderFlag xmlns="" xmlns:ma14="http://schemas.microsoft.com/office/mac/drawingml/2011/main" val="1"/>
+              <ma14:placeholderFlag xmlns:ma14="http://schemas.microsoft.com/office/mac/drawingml/2011/main" xmlns="" val="1"/>
             </a:ext>
           </a:extLst>
         </p:spPr>
@@ -22043,7 +21684,7 @@
           <a:lstStyle/>
           <a:p>
             <a:r>
-              <a:rPr lang="vi-VN" altLang="en-US" sz="2700" dirty="0" smtClean="0"/>
+              <a:rPr lang="vi-VN" altLang="en-US" sz="2700" dirty="0"/>
               <a:t>PHƯƠNG THỨC FINALIZE</a:t>
             </a:r>
             <a:endParaRPr lang="en-US" altLang="en-US" sz="2700" dirty="0"/>
@@ -22080,7 +21721,7 @@
               </a:spcAft>
             </a:pPr>
             <a:r>
-              <a:rPr lang="en-US" sz="1800" dirty="0" smtClean="0">
+              <a:rPr lang="en-US" sz="1800" dirty="0">
                 <a:solidFill>
                   <a:srgbClr val="333333"/>
                 </a:solidFill>
@@ -22091,7 +21732,7 @@
               <a:t>L</a:t>
             </a:r>
             <a:r>
-              <a:rPr lang="vi-VN" sz="1800" dirty="0" smtClean="0">
+              <a:rPr lang="vi-VN" sz="1800" dirty="0">
                 <a:solidFill>
                   <a:srgbClr val="333333"/>
                 </a:solidFill>
@@ -22099,40 +21740,7 @@
                 <a:ea typeface="Calibri" panose="020F0502020204030204" pitchFamily="34" charset="0"/>
                 <a:cs typeface="Times New Roman" panose="02020603050405020304" pitchFamily="18" charset="0"/>
               </a:rPr>
-              <a:t>ớp </a:t>
-            </a:r>
-            <a:r>
-              <a:rPr lang="vi-VN" sz="1800" dirty="0">
-                <a:solidFill>
-                  <a:srgbClr val="333333"/>
-                </a:solidFill>
-                <a:latin typeface="Segoe UI" panose="020B0502040204020203" pitchFamily="34" charset="0"/>
-                <a:ea typeface="Calibri" panose="020F0502020204030204" pitchFamily="34" charset="0"/>
-                <a:cs typeface="Times New Roman" panose="02020603050405020304" pitchFamily="18" charset="0"/>
-              </a:rPr>
-              <a:t>Java Object </a:t>
-            </a:r>
-            <a:r>
-              <a:rPr lang="vi-VN" sz="1800" dirty="0" smtClean="0">
-                <a:solidFill>
-                  <a:srgbClr val="333333"/>
-                </a:solidFill>
-                <a:latin typeface="Segoe UI" panose="020B0502040204020203" pitchFamily="34" charset="0"/>
-                <a:ea typeface="Calibri" panose="020F0502020204030204" pitchFamily="34" charset="0"/>
-                <a:cs typeface="Times New Roman" panose="02020603050405020304" pitchFamily="18" charset="0"/>
-              </a:rPr>
-              <a:t>chứa </a:t>
-            </a:r>
-            <a:r>
-              <a:rPr lang="vi-VN" sz="1800" dirty="0">
-                <a:solidFill>
-                  <a:srgbClr val="333333"/>
-                </a:solidFill>
-                <a:latin typeface="Segoe UI" panose="020B0502040204020203" pitchFamily="34" charset="0"/>
-                <a:ea typeface="Calibri" panose="020F0502020204030204" pitchFamily="34" charset="0"/>
-                <a:cs typeface="Times New Roman" panose="02020603050405020304" pitchFamily="18" charset="0"/>
-              </a:rPr>
-              <a:t>phương thức finalize() hoạt động giống như hàm hủy. </a:t>
+              <a:t>ớp Java Object chứa phương thức finalize() hoạt động giống như hàm hủy. </a:t>
             </a:r>
           </a:p>
         </p:txBody>
@@ -22404,7 +22012,7 @@
               <a:t> </a:t>
             </a:r>
             <a:r>
-              <a:rPr lang="en-US" sz="1800" b="1" dirty="0" err="1" smtClean="0"/>
+              <a:rPr lang="en-US" sz="1800" b="1" dirty="0" err="1"/>
               <a:t>báo</a:t>
             </a:r>
             <a:endParaRPr lang="en-US" sz="1800" b="1" dirty="0"/>
@@ -22421,13 +22029,6 @@
   <p:clrMapOvr>
     <a:masterClrMapping/>
   </p:clrMapOvr>
-  <p:timing>
-    <p:tnLst>
-      <p:par>
-        <p:cTn id="1" dur="indefinite" restart="never" nodeType="tmRoot"/>
-      </p:par>
-    </p:tnLst>
-  </p:timing>
 </p:sld>
 </file>
 
@@ -22461,7 +22062,7 @@
         <p:spPr>
           <a:extLst>
             <a:ext uri="{FAA26D3D-D897-4be2-8F04-BA451C77F1D7}">
-              <ma14:placeholderFlag xmlns="" xmlns:ma14="http://schemas.microsoft.com/office/mac/drawingml/2011/main" val="1"/>
+              <ma14:placeholderFlag xmlns:ma14="http://schemas.microsoft.com/office/mac/drawingml/2011/main" xmlns="" val="1"/>
             </a:ext>
           </a:extLst>
         </p:spPr>
@@ -22472,7 +22073,7 @@
           <a:lstStyle/>
           <a:p>
             <a:r>
-              <a:rPr lang="vi-VN" altLang="en-US" sz="2700" dirty="0" smtClean="0"/>
+              <a:rPr lang="vi-VN" altLang="en-US" sz="2700" dirty="0"/>
               <a:t>PHƯƠNG THỨC FINALIZE</a:t>
             </a:r>
             <a:endParaRPr lang="en-US" altLang="en-US" sz="2700" dirty="0"/>
@@ -22542,13 +22143,6 @@
   <p:clrMapOvr>
     <a:masterClrMapping/>
   </p:clrMapOvr>
-  <p:timing>
-    <p:tnLst>
-      <p:par>
-        <p:cTn id="1" dur="indefinite" restart="never" nodeType="tmRoot"/>
-      </p:par>
-    </p:tnLst>
-  </p:timing>
 </p:sld>
 </file>
 
@@ -22586,7 +22180,7 @@
           </a:xfrm>
           <a:extLst>
             <a:ext uri="{FAA26D3D-D897-4be2-8F04-BA451C77F1D7}">
-              <ma14:placeholderFlag xmlns="" xmlns:ma14="http://schemas.microsoft.com/office/mac/drawingml/2011/main" val="1"/>
+              <ma14:placeholderFlag xmlns:ma14="http://schemas.microsoft.com/office/mac/drawingml/2011/main" xmlns="" val="1"/>
             </a:ext>
           </a:extLst>
         </p:spPr>
@@ -22597,7 +22191,7 @@
           <a:lstStyle/>
           <a:p>
             <a:r>
-              <a:rPr lang="vi-VN" altLang="en-US" sz="2700" dirty="0" smtClean="0"/>
+              <a:rPr lang="vi-VN" altLang="en-US" sz="2700" dirty="0"/>
               <a:t>TÍNH CHẤT CỦA PHƯƠNG THỨC FINALIZE</a:t>
             </a:r>
             <a:endParaRPr lang="en-US" altLang="en-US" sz="2700" dirty="0"/>
@@ -22631,7 +22225,7 @@
               </a:lnSpc>
             </a:pPr>
             <a:r>
-              <a:rPr lang="en-US" sz="1800" dirty="0" smtClean="0">
+              <a:rPr lang="en-US" sz="1800" dirty="0">
                 <a:latin typeface="Segoe UI" panose="020B0502040204020203" pitchFamily="34" charset="0"/>
                 <a:ea typeface="Times New Roman" panose="02020603050405020304" pitchFamily="18" charset="0"/>
                 <a:cs typeface="Times New Roman" panose="02020603050405020304" pitchFamily="18" charset="0"/>
@@ -22639,7 +22233,7 @@
               <a:t>- </a:t>
             </a:r>
             <a:r>
-              <a:rPr lang="en-US" sz="1800" dirty="0" err="1" smtClean="0">
+              <a:rPr lang="en-US" sz="1800" dirty="0" err="1">
                 <a:latin typeface="Segoe UI" panose="020B0502040204020203" pitchFamily="34" charset="0"/>
                 <a:ea typeface="Times New Roman" panose="02020603050405020304" pitchFamily="18" charset="0"/>
                 <a:cs typeface="Times New Roman" panose="02020603050405020304" pitchFamily="18" charset="0"/>
@@ -22647,7 +22241,7 @@
               <a:t>Cung</a:t>
             </a:r>
             <a:r>
-              <a:rPr lang="en-US" sz="1800" dirty="0" smtClean="0">
+              <a:rPr lang="en-US" sz="1800" dirty="0">
                 <a:latin typeface="Segoe UI" panose="020B0502040204020203" pitchFamily="34" charset="0"/>
                 <a:ea typeface="Times New Roman" panose="02020603050405020304" pitchFamily="18" charset="0"/>
                 <a:cs typeface="Times New Roman" panose="02020603050405020304" pitchFamily="18" charset="0"/>
@@ -22931,7 +22525,7 @@
               <a:t> </a:t>
             </a:r>
             <a:r>
-              <a:rPr lang="en-US" sz="1800" dirty="0" err="1" smtClean="0">
+              <a:rPr lang="en-US" sz="1800" dirty="0" err="1">
                 <a:latin typeface="Segoe UI" panose="020B0502040204020203" pitchFamily="34" charset="0"/>
                 <a:ea typeface="Times New Roman" panose="02020603050405020304" pitchFamily="18" charset="0"/>
                 <a:cs typeface="Times New Roman" panose="02020603050405020304" pitchFamily="18" charset="0"/>
@@ -22939,7 +22533,7 @@
               <a:t>trước</a:t>
             </a:r>
             <a:r>
-              <a:rPr lang="en-US" sz="1800" dirty="0" smtClean="0">
+              <a:rPr lang="en-US" sz="1800" dirty="0">
                 <a:latin typeface="Segoe UI" panose="020B0502040204020203" pitchFamily="34" charset="0"/>
                 <a:ea typeface="Times New Roman" panose="02020603050405020304" pitchFamily="18" charset="0"/>
                 <a:cs typeface="Times New Roman" panose="02020603050405020304" pitchFamily="18" charset="0"/>
@@ -23464,15 +23058,7 @@
                 <a:ea typeface="Times New Roman" panose="02020603050405020304" pitchFamily="18" charset="0"/>
                 <a:cs typeface="Times New Roman" panose="02020603050405020304" pitchFamily="18" charset="0"/>
               </a:rPr>
-              <a:t> </a:t>
-            </a:r>
-            <a:r>
-              <a:rPr lang="en-US" sz="1800" dirty="0" smtClean="0">
-                <a:latin typeface="Segoe UI" panose="020B0502040204020203" pitchFamily="34" charset="0"/>
-                <a:ea typeface="Times New Roman" panose="02020603050405020304" pitchFamily="18" charset="0"/>
-                <a:cs typeface="Times New Roman" panose="02020603050405020304" pitchFamily="18" charset="0"/>
-              </a:rPr>
-              <a:t>Object</a:t>
+              <a:t> Object</a:t>
             </a:r>
             <a:endParaRPr lang="en-US" sz="1800" dirty="0">
               <a:latin typeface="Calibri" panose="020F0502020204030204" pitchFamily="34" charset="0"/>
@@ -23855,7 +23441,7 @@
               <a:t>- </a:t>
             </a:r>
             <a:r>
-              <a:rPr lang="en-US" sz="1800" dirty="0" err="1" smtClean="0">
+              <a:rPr lang="en-US" sz="1800" dirty="0" err="1">
                 <a:latin typeface="Segoe UI" panose="020B0502040204020203" pitchFamily="34" charset="0"/>
                 <a:ea typeface="Times New Roman" panose="02020603050405020304" pitchFamily="18" charset="0"/>
                 <a:cs typeface="Times New Roman" panose="02020603050405020304" pitchFamily="18" charset="0"/>
@@ -23863,7 +23449,7 @@
               <a:t>Các</a:t>
             </a:r>
             <a:r>
-              <a:rPr lang="en-US" sz="1800" dirty="0" smtClean="0">
+              <a:rPr lang="en-US" sz="1800" dirty="0">
                 <a:latin typeface="Segoe UI" panose="020B0502040204020203" pitchFamily="34" charset="0"/>
                 <a:ea typeface="Times New Roman" panose="02020603050405020304" pitchFamily="18" charset="0"/>
                 <a:cs typeface="Times New Roman" panose="02020603050405020304" pitchFamily="18" charset="0"/>
@@ -24049,13 +23635,6 @@
   <p:clrMapOvr>
     <a:masterClrMapping/>
   </p:clrMapOvr>
-  <p:timing>
-    <p:tnLst>
-      <p:par>
-        <p:cTn id="1" dur="indefinite" restart="never" nodeType="tmRoot"/>
-      </p:par>
-    </p:tnLst>
-  </p:timing>
 </p:sld>
 </file>
 
@@ -24093,7 +23672,7 @@
           </a:xfrm>
           <a:extLst>
             <a:ext uri="{FAA26D3D-D897-4be2-8F04-BA451C77F1D7}">
-              <ma14:placeholderFlag xmlns="" xmlns:ma14="http://schemas.microsoft.com/office/mac/drawingml/2011/main" val="1"/>
+              <ma14:placeholderFlag xmlns:ma14="http://schemas.microsoft.com/office/mac/drawingml/2011/main" xmlns="" val="1"/>
             </a:ext>
           </a:extLst>
         </p:spPr>
@@ -24104,7 +23683,7 @@
           <a:lstStyle/>
           <a:p>
             <a:r>
-              <a:rPr lang="vi-VN" altLang="en-US" sz="2700" dirty="0" smtClean="0"/>
+              <a:rPr lang="vi-VN" altLang="en-US" sz="2700" dirty="0"/>
               <a:t>SO SÁNH VỚI HÀM TẠO</a:t>
             </a:r>
             <a:endParaRPr lang="en-US" altLang="en-US" sz="2700" dirty="0"/>
@@ -24136,8 +23715,20 @@
                 <a:tableStyleId>{0660B408-B3CF-4A94-85FC-2B1E0A45F4A2}</a:tableStyleId>
               </a:tblPr>
               <a:tblGrid>
-                <a:gridCol w="4339732"/>
-                <a:gridCol w="4326748"/>
+                <a:gridCol w="4339732">
+                  <a:extLst>
+                    <a:ext uri="{9D8B030D-6E8A-4147-A177-3AD203B41FA5}">
+                      <a16:colId xmlns:a16="http://schemas.microsoft.com/office/drawing/2014/main" val="20000"/>
+                    </a:ext>
+                  </a:extLst>
+                </a:gridCol>
+                <a:gridCol w="4326748">
+                  <a:extLst>
+                    <a:ext uri="{9D8B030D-6E8A-4147-A177-3AD203B41FA5}">
+                      <a16:colId xmlns:a16="http://schemas.microsoft.com/office/drawing/2014/main" val="20001"/>
+                    </a:ext>
+                  </a:extLst>
+                </a:gridCol>
               </a:tblGrid>
               <a:tr h="330106">
                 <a:tc>
@@ -24210,6 +23801,11 @@
                   </a:txBody>
                   <a:tcPr marL="47625" marR="9525" marT="9525" marB="9525" anchor="ctr"/>
                 </a:tc>
+                <a:extLst>
+                  <a:ext uri="{0D108BD9-81ED-4DB2-BD59-A6C34878D82A}">
+                    <a16:rowId xmlns:a16="http://schemas.microsoft.com/office/drawing/2014/main" val="10000"/>
+                  </a:ext>
+                </a:extLst>
               </a:tr>
               <a:tr h="594129">
                 <a:tc>
@@ -24723,6 +24319,11 @@
                   </a:txBody>
                   <a:tcPr marL="47625" marR="9525" marT="9525" marB="9525" anchor="ctr"/>
                 </a:tc>
+                <a:extLst>
+                  <a:ext uri="{0D108BD9-81ED-4DB2-BD59-A6C34878D82A}">
+                    <a16:rowId xmlns:a16="http://schemas.microsoft.com/office/drawing/2014/main" val="10001"/>
+                  </a:ext>
+                </a:extLst>
               </a:tr>
               <a:tr h="594129">
                 <a:tc>
@@ -25164,6 +24765,11 @@
                   </a:txBody>
                   <a:tcPr marL="47625" marR="9525" marT="9525" marB="9525" anchor="ctr"/>
                 </a:tc>
+                <a:extLst>
+                  <a:ext uri="{0D108BD9-81ED-4DB2-BD59-A6C34878D82A}">
+                    <a16:rowId xmlns:a16="http://schemas.microsoft.com/office/drawing/2014/main" val="10002"/>
+                  </a:ext>
+                </a:extLst>
               </a:tr>
               <a:tr h="305147">
                 <a:tc>
@@ -25353,6 +24959,11 @@
                   </a:txBody>
                   <a:tcPr marL="47625" marR="9525" marT="9525" marB="9525" anchor="ctr"/>
                 </a:tc>
+                <a:extLst>
+                  <a:ext uri="{0D108BD9-81ED-4DB2-BD59-A6C34878D82A}">
+                    <a16:rowId xmlns:a16="http://schemas.microsoft.com/office/drawing/2014/main" val="10003"/>
+                  </a:ext>
+                </a:extLst>
               </a:tr>
               <a:tr h="305147">
                 <a:tc>
@@ -25497,6 +25108,11 @@
                   </a:txBody>
                   <a:tcPr marL="47625" marR="9525" marT="9525" marB="9525" anchor="ctr"/>
                 </a:tc>
+                <a:extLst>
+                  <a:ext uri="{0D108BD9-81ED-4DB2-BD59-A6C34878D82A}">
+                    <a16:rowId xmlns:a16="http://schemas.microsoft.com/office/drawing/2014/main" val="10004"/>
+                  </a:ext>
+                </a:extLst>
               </a:tr>
               <a:tr h="594129">
                 <a:tc>
@@ -25929,6 +25545,11 @@
                   </a:txBody>
                   <a:tcPr marL="47625" marR="9525" marT="9525" marB="9525" anchor="ctr"/>
                 </a:tc>
+                <a:extLst>
+                  <a:ext uri="{0D108BD9-81ED-4DB2-BD59-A6C34878D82A}">
+                    <a16:rowId xmlns:a16="http://schemas.microsoft.com/office/drawing/2014/main" val="10005"/>
+                  </a:ext>
+                </a:extLst>
               </a:tr>
             </a:tbl>
           </a:graphicData>
@@ -25944,13 +25565,6 @@
   <p:clrMapOvr>
     <a:masterClrMapping/>
   </p:clrMapOvr>
-  <p:timing>
-    <p:tnLst>
-      <p:par>
-        <p:cTn id="1" dur="indefinite" restart="never" nodeType="tmRoot"/>
-      </p:par>
-    </p:tnLst>
-  </p:timing>
 </p:sld>
 </file>
 
@@ -25984,7 +25598,7 @@
         <p:spPr>
           <a:extLst>
             <a:ext uri="{FAA26D3D-D897-4be2-8F04-BA451C77F1D7}">
-              <ma14:placeholderFlag xmlns="" xmlns:ma14="http://schemas.microsoft.com/office/mac/drawingml/2011/main" val="1"/>
+              <ma14:placeholderFlag xmlns:ma14="http://schemas.microsoft.com/office/mac/drawingml/2011/main" xmlns="" val="1"/>
             </a:ext>
           </a:extLst>
         </p:spPr>
@@ -25995,11 +25609,11 @@
           <a:lstStyle/>
           <a:p>
             <a:r>
-              <a:rPr lang="en-US" altLang="en-US" sz="2700" dirty="0" smtClean="0"/>
+              <a:rPr lang="en-US" altLang="en-US" sz="2700" dirty="0"/>
               <a:t>KHÁI </a:t>
             </a:r>
             <a:r>
-              <a:rPr lang="en-US" altLang="en-US" sz="2700" dirty="0" err="1" smtClean="0"/>
+              <a:rPr lang="en-US" altLang="en-US" sz="2700" dirty="0" err="1"/>
               <a:t>NIỆM</a:t>
             </a:r>
             <a:endParaRPr lang="en-US" altLang="en-US" sz="2700" dirty="0"/>
@@ -26036,7 +25650,7 @@
               </a:spcAft>
             </a:pPr>
             <a:r>
-              <a:rPr lang="en-US" sz="1800" dirty="0" smtClean="0">
+              <a:rPr lang="en-US" sz="1800" dirty="0">
                 <a:solidFill>
                   <a:srgbClr val="343A40"/>
                 </a:solidFill>
@@ -26047,7 +25661,7 @@
               <a:t>- </a:t>
             </a:r>
             <a:r>
-              <a:rPr lang="en-US" sz="1800" dirty="0" err="1" smtClean="0">
+              <a:rPr lang="en-US" sz="1800" dirty="0" err="1">
                 <a:solidFill>
                   <a:srgbClr val="343A40"/>
                 </a:solidFill>
@@ -26058,7 +25672,7 @@
               <a:t>Kế</a:t>
             </a:r>
             <a:r>
-              <a:rPr lang="en-US" sz="1800" dirty="0" smtClean="0">
+              <a:rPr lang="en-US" sz="1800" dirty="0">
                 <a:solidFill>
                   <a:srgbClr val="343A40"/>
                 </a:solidFill>
@@ -26091,7 +25705,7 @@
               <a:t> </a:t>
             </a:r>
             <a:r>
-              <a:rPr lang="en-US" sz="1800" dirty="0" err="1" smtClean="0">
+              <a:rPr lang="en-US" sz="1800" dirty="0" err="1">
                 <a:solidFill>
                   <a:srgbClr val="343A40"/>
                 </a:solidFill>
@@ -26102,7 +25716,7 @@
               <a:t>là</a:t>
             </a:r>
             <a:r>
-              <a:rPr lang="en-US" sz="1800" dirty="0" smtClean="0">
+              <a:rPr lang="en-US" sz="1800" dirty="0">
                 <a:solidFill>
                   <a:srgbClr val="343A40"/>
                 </a:solidFill>
@@ -26596,14 +26210,6 @@
               </a:rPr>
               <a:t> cha. </a:t>
             </a:r>
-            <a:endParaRPr lang="en-US" sz="1800" dirty="0" smtClean="0">
-              <a:solidFill>
-                <a:srgbClr val="343A40"/>
-              </a:solidFill>
-              <a:latin typeface="Segoe UI" panose="020B0502040204020203" pitchFamily="34" charset="0"/>
-              <a:ea typeface="Times New Roman" panose="02020603050405020304" pitchFamily="18" charset="0"/>
-              <a:cs typeface="Times New Roman" panose="02020603050405020304" pitchFamily="18" charset="0"/>
-            </a:endParaRPr>
           </a:p>
           <a:p>
             <a:pPr algn="just">
@@ -26615,7 +26221,7 @@
               </a:spcAft>
             </a:pPr>
             <a:r>
-              <a:rPr lang="en-US" sz="1800" dirty="0" smtClean="0">
+              <a:rPr lang="en-US" sz="1800" dirty="0">
                 <a:solidFill>
                   <a:srgbClr val="343A40"/>
                 </a:solidFill>
@@ -26648,7 +26254,7 @@
               <a:t> </a:t>
             </a:r>
             <a:r>
-              <a:rPr lang="en-US" sz="1800" dirty="0" err="1" smtClean="0">
+              <a:rPr lang="en-US" sz="1800" dirty="0" err="1">
                 <a:solidFill>
                   <a:srgbClr val="343A40"/>
                 </a:solidFill>
@@ -26659,7 +26265,7 @@
               <a:t>là</a:t>
             </a:r>
             <a:r>
-              <a:rPr lang="en-US" sz="1800" dirty="0" smtClean="0">
+              <a:rPr lang="en-US" sz="1800" dirty="0">
                 <a:solidFill>
                   <a:srgbClr val="343A40"/>
                 </a:solidFill>
@@ -26977,14 +26583,6 @@
               </a:rPr>
               <a:t>. </a:t>
             </a:r>
-            <a:endParaRPr lang="en-US" sz="1800" dirty="0" smtClean="0">
-              <a:solidFill>
-                <a:srgbClr val="343A40"/>
-              </a:solidFill>
-              <a:latin typeface="Segoe UI" panose="020B0502040204020203" pitchFamily="34" charset="0"/>
-              <a:ea typeface="Times New Roman" panose="02020603050405020304" pitchFamily="18" charset="0"/>
-              <a:cs typeface="Times New Roman" panose="02020603050405020304" pitchFamily="18" charset="0"/>
-            </a:endParaRPr>
           </a:p>
           <a:p>
             <a:pPr algn="just">
@@ -26996,7 +26594,7 @@
               </a:spcAft>
             </a:pPr>
             <a:r>
-              <a:rPr lang="en-US" sz="1800" dirty="0" smtClean="0">
+              <a:rPr lang="en-US" sz="1800" dirty="0">
                 <a:solidFill>
                   <a:srgbClr val="343A40"/>
                 </a:solidFill>
@@ -27007,7 +26605,7 @@
               <a:t>- </a:t>
             </a:r>
             <a:r>
-              <a:rPr lang="en-US" sz="1800" dirty="0" err="1" smtClean="0">
+              <a:rPr lang="en-US" sz="1800" dirty="0" err="1">
                 <a:solidFill>
                   <a:srgbClr val="343A40"/>
                 </a:solidFill>
@@ -27018,26 +26616,15 @@
               <a:t>Lớp</a:t>
             </a:r>
             <a:r>
-              <a:rPr lang="en-US" sz="1800" dirty="0" smtClean="0">
-                <a:solidFill>
-                  <a:srgbClr val="343A40"/>
-                </a:solidFill>
-                <a:latin typeface="Segoe UI" panose="020B0502040204020203" pitchFamily="34" charset="0"/>
-                <a:ea typeface="Times New Roman" panose="02020603050405020304" pitchFamily="18" charset="0"/>
-                <a:cs typeface="Times New Roman" panose="02020603050405020304" pitchFamily="18" charset="0"/>
-              </a:rPr>
-              <a:t> </a:t>
-            </a:r>
-            <a:r>
-              <a:rPr lang="en-US" sz="1800" dirty="0">
-                <a:solidFill>
-                  <a:srgbClr val="343A40"/>
-                </a:solidFill>
-                <a:latin typeface="Segoe UI" panose="020B0502040204020203" pitchFamily="34" charset="0"/>
-                <a:ea typeface="Times New Roman" panose="02020603050405020304" pitchFamily="18" charset="0"/>
-                <a:cs typeface="Times New Roman" panose="02020603050405020304" pitchFamily="18" charset="0"/>
-              </a:rPr>
-              <a:t>con </a:t>
+              <a:rPr lang="en-US" sz="1800" dirty="0">
+                <a:solidFill>
+                  <a:srgbClr val="343A40"/>
+                </a:solidFill>
+                <a:latin typeface="Segoe UI" panose="020B0502040204020203" pitchFamily="34" charset="0"/>
+                <a:ea typeface="Times New Roman" panose="02020603050405020304" pitchFamily="18" charset="0"/>
+                <a:cs typeface="Times New Roman" panose="02020603050405020304" pitchFamily="18" charset="0"/>
+              </a:rPr>
+              <a:t> con </a:t>
             </a:r>
             <a:r>
               <a:rPr lang="en-US" sz="1800" dirty="0" err="1">
@@ -27083,14 +26670,6 @@
               </a:rPr>
               <a:t> </a:t>
             </a:r>
-            <a:endParaRPr lang="en-US" sz="1800" dirty="0" smtClean="0">
-              <a:solidFill>
-                <a:srgbClr val="343A40"/>
-              </a:solidFill>
-              <a:latin typeface="Segoe UI" panose="020B0502040204020203" pitchFamily="34" charset="0"/>
-              <a:ea typeface="Times New Roman" panose="02020603050405020304" pitchFamily="18" charset="0"/>
-              <a:cs typeface="Times New Roman" panose="02020603050405020304" pitchFamily="18" charset="0"/>
-            </a:endParaRPr>
           </a:p>
           <a:p>
             <a:pPr algn="just">
@@ -27102,7 +26681,7 @@
               </a:spcAft>
             </a:pPr>
             <a:r>
-              <a:rPr lang="en-US" sz="1800" dirty="0" smtClean="0">
+              <a:rPr lang="en-US" sz="1800" dirty="0">
                 <a:solidFill>
                   <a:srgbClr val="343A40"/>
                 </a:solidFill>
@@ -27113,7 +26692,7 @@
               <a:t>+ </a:t>
             </a:r>
             <a:r>
-              <a:rPr lang="en-US" sz="1800" dirty="0" err="1" smtClean="0">
+              <a:rPr lang="en-US" sz="1800" dirty="0" err="1">
                 <a:solidFill>
                   <a:srgbClr val="343A40"/>
                 </a:solidFill>
@@ -27124,18 +26703,18 @@
               <a:t>sử</a:t>
             </a:r>
             <a:r>
-              <a:rPr lang="en-US" sz="1800" dirty="0" smtClean="0">
-                <a:solidFill>
-                  <a:srgbClr val="343A40"/>
-                </a:solidFill>
-                <a:latin typeface="Segoe UI" panose="020B0502040204020203" pitchFamily="34" charset="0"/>
-                <a:ea typeface="Times New Roman" panose="02020603050405020304" pitchFamily="18" charset="0"/>
-                <a:cs typeface="Times New Roman" panose="02020603050405020304" pitchFamily="18" charset="0"/>
-              </a:rPr>
-              <a:t> </a:t>
-            </a:r>
-            <a:r>
-              <a:rPr lang="en-US" sz="1800" dirty="0" err="1" smtClean="0">
+              <a:rPr lang="en-US" sz="1800" dirty="0">
+                <a:solidFill>
+                  <a:srgbClr val="343A40"/>
+                </a:solidFill>
+                <a:latin typeface="Segoe UI" panose="020B0502040204020203" pitchFamily="34" charset="0"/>
+                <a:ea typeface="Times New Roman" panose="02020603050405020304" pitchFamily="18" charset="0"/>
+                <a:cs typeface="Times New Roman" panose="02020603050405020304" pitchFamily="18" charset="0"/>
+              </a:rPr>
+              <a:t> </a:t>
+            </a:r>
+            <a:r>
+              <a:rPr lang="en-US" sz="1800" dirty="0" err="1">
                 <a:solidFill>
                   <a:srgbClr val="343A40"/>
                 </a:solidFill>
@@ -27146,18 +26725,18 @@
               <a:t>dụng</a:t>
             </a:r>
             <a:r>
-              <a:rPr lang="en-US" sz="1800" dirty="0" smtClean="0">
-                <a:solidFill>
-                  <a:srgbClr val="343A40"/>
-                </a:solidFill>
-                <a:latin typeface="Segoe UI" panose="020B0502040204020203" pitchFamily="34" charset="0"/>
-                <a:ea typeface="Times New Roman" panose="02020603050405020304" pitchFamily="18" charset="0"/>
-                <a:cs typeface="Times New Roman" panose="02020603050405020304" pitchFamily="18" charset="0"/>
-              </a:rPr>
-              <a:t> </a:t>
-            </a:r>
-            <a:r>
-              <a:rPr lang="en-US" sz="1800" dirty="0" err="1" smtClean="0">
+              <a:rPr lang="en-US" sz="1800" dirty="0">
+                <a:solidFill>
+                  <a:srgbClr val="343A40"/>
+                </a:solidFill>
+                <a:latin typeface="Segoe UI" panose="020B0502040204020203" pitchFamily="34" charset="0"/>
+                <a:ea typeface="Times New Roman" panose="02020603050405020304" pitchFamily="18" charset="0"/>
+                <a:cs typeface="Times New Roman" panose="02020603050405020304" pitchFamily="18" charset="0"/>
+              </a:rPr>
+              <a:t> </a:t>
+            </a:r>
+            <a:r>
+              <a:rPr lang="en-US" sz="1800" dirty="0" err="1">
                 <a:solidFill>
                   <a:srgbClr val="343A40"/>
                 </a:solidFill>
@@ -27168,7 +26747,7 @@
               <a:t>lại</a:t>
             </a:r>
             <a:r>
-              <a:rPr lang="en-US" sz="1800" dirty="0" smtClean="0">
+              <a:rPr lang="en-US" sz="1800" dirty="0">
                 <a:solidFill>
                   <a:srgbClr val="343A40"/>
                 </a:solidFill>
@@ -27352,18 +26931,7 @@
                 <a:ea typeface="Times New Roman" panose="02020603050405020304" pitchFamily="18" charset="0"/>
                 <a:cs typeface="Times New Roman" panose="02020603050405020304" pitchFamily="18" charset="0"/>
               </a:rPr>
-              <a:t> </a:t>
-            </a:r>
-            <a:r>
-              <a:rPr lang="en-US" sz="1800" dirty="0" smtClean="0">
-                <a:solidFill>
-                  <a:srgbClr val="343A40"/>
-                </a:solidFill>
-                <a:latin typeface="Segoe UI" panose="020B0502040204020203" pitchFamily="34" charset="0"/>
-                <a:ea typeface="Times New Roman" panose="02020603050405020304" pitchFamily="18" charset="0"/>
-                <a:cs typeface="Times New Roman" panose="02020603050405020304" pitchFamily="18" charset="0"/>
-              </a:rPr>
-              <a:t>cha</a:t>
+              <a:t> cha</a:t>
             </a:r>
           </a:p>
           <a:p>
@@ -27376,7 +26944,7 @@
               </a:spcAft>
             </a:pPr>
             <a:r>
-              <a:rPr lang="en-US" sz="1800" dirty="0" smtClean="0">
+              <a:rPr lang="en-US" sz="1800" dirty="0">
                 <a:solidFill>
                   <a:srgbClr val="343A40"/>
                 </a:solidFill>
@@ -27387,7 +26955,7 @@
               <a:t>+ </a:t>
             </a:r>
             <a:r>
-              <a:rPr lang="en-US" sz="1800" dirty="0" err="1" smtClean="0">
+              <a:rPr lang="en-US" sz="1800" dirty="0" err="1">
                 <a:solidFill>
                   <a:srgbClr val="343A40"/>
                 </a:solidFill>
@@ -27398,7 +26966,7 @@
               <a:t>thêm</a:t>
             </a:r>
             <a:r>
-              <a:rPr lang="en-US" sz="1800" dirty="0" smtClean="0">
+              <a:rPr lang="en-US" sz="1800" dirty="0">
                 <a:solidFill>
                   <a:srgbClr val="343A40"/>
                 </a:solidFill>
@@ -27582,18 +27150,7 @@
                 <a:ea typeface="Times New Roman" panose="02020603050405020304" pitchFamily="18" charset="0"/>
                 <a:cs typeface="Times New Roman" panose="02020603050405020304" pitchFamily="18" charset="0"/>
               </a:rPr>
-              <a:t> con</a:t>
-            </a:r>
-            <a:r>
-              <a:rPr lang="en-US" sz="1800" dirty="0" smtClean="0">
-                <a:solidFill>
-                  <a:srgbClr val="343A40"/>
-                </a:solidFill>
-                <a:latin typeface="Segoe UI" panose="020B0502040204020203" pitchFamily="34" charset="0"/>
-                <a:ea typeface="Times New Roman" panose="02020603050405020304" pitchFamily="18" charset="0"/>
-                <a:cs typeface="Times New Roman" panose="02020603050405020304" pitchFamily="18" charset="0"/>
-              </a:rPr>
-              <a:t>.</a:t>
+              <a:t> con.</a:t>
             </a:r>
             <a:endParaRPr lang="en-US" sz="1800" dirty="0">
               <a:latin typeface="Calibri" panose="020F0502020204030204" pitchFamily="34" charset="0"/>
@@ -27613,13 +27170,6 @@
   <p:clrMapOvr>
     <a:masterClrMapping/>
   </p:clrMapOvr>
-  <p:timing>
-    <p:tnLst>
-      <p:par>
-        <p:cTn id="1" dur="indefinite" restart="never" nodeType="tmRoot"/>
-      </p:par>
-    </p:tnLst>
-  </p:timing>
 </p:sld>
 </file>
 
@@ -27690,13 +27240,6 @@
   <p:clrMapOvr>
     <a:masterClrMapping/>
   </p:clrMapOvr>
-  <p:timing>
-    <p:tnLst>
-      <p:par>
-        <p:cTn id="1" dur="indefinite" restart="never" nodeType="tmRoot"/>
-      </p:par>
-    </p:tnLst>
-  </p:timing>
 </p:sld>
 </file>
 
@@ -27734,7 +27277,7 @@
           </a:xfrm>
           <a:extLst>
             <a:ext uri="{FAA26D3D-D897-4be2-8F04-BA451C77F1D7}">
-              <ma14:placeholderFlag xmlns="" xmlns:ma14="http://schemas.microsoft.com/office/mac/drawingml/2011/main" val="1"/>
+              <ma14:placeholderFlag xmlns:ma14="http://schemas.microsoft.com/office/mac/drawingml/2011/main" xmlns="" val="1"/>
             </a:ext>
           </a:extLst>
         </p:spPr>
@@ -27745,7 +27288,7 @@
           <a:lstStyle/>
           <a:p>
             <a:r>
-              <a:rPr lang="vi-VN" altLang="en-US" sz="2700" dirty="0" smtClean="0"/>
+              <a:rPr lang="vi-VN" altLang="en-US" sz="2700" dirty="0"/>
               <a:t>KHÁI NIỆM</a:t>
             </a:r>
             <a:endParaRPr lang="en-US" altLang="en-US" sz="2700" dirty="0"/>
@@ -27815,7 +27358,7 @@
               <a:t> super </a:t>
             </a:r>
             <a:r>
-              <a:rPr lang="en-US" sz="2000" dirty="0" err="1" smtClean="0">
+              <a:rPr lang="en-US" sz="2000" dirty="0" err="1">
                 <a:solidFill>
                   <a:srgbClr val="343A40"/>
                 </a:solidFill>
@@ -27826,7 +27369,7 @@
               <a:t>là</a:t>
             </a:r>
             <a:r>
-              <a:rPr lang="en-US" sz="2000" dirty="0" smtClean="0">
+              <a:rPr lang="en-US" sz="2000" dirty="0">
                 <a:solidFill>
                   <a:srgbClr val="343A40"/>
                 </a:solidFill>
@@ -28057,7 +27600,7 @@
               <a:t> </a:t>
             </a:r>
             <a:r>
-              <a:rPr lang="en-US" sz="2000" dirty="0" err="1" smtClean="0">
+              <a:rPr lang="en-US" sz="2000" dirty="0" err="1">
                 <a:solidFill>
                   <a:srgbClr val="343A40"/>
                 </a:solidFill>
@@ -28068,7 +27611,7 @@
               <a:t>đến</a:t>
             </a:r>
             <a:r>
-              <a:rPr lang="en-US" sz="2000" dirty="0" smtClean="0">
+              <a:rPr lang="en-US" sz="2000" dirty="0">
                 <a:solidFill>
                   <a:srgbClr val="343A40"/>
                 </a:solidFill>
@@ -28950,13 +28493,6 @@
   <p:clrMapOvr>
     <a:masterClrMapping/>
   </p:clrMapOvr>
-  <p:timing>
-    <p:tnLst>
-      <p:par>
-        <p:cTn id="1" dur="indefinite" restart="never" nodeType="tmRoot"/>
-      </p:par>
-    </p:tnLst>
-  </p:timing>
 </p:sld>
 </file>
 
@@ -28994,7 +28530,7 @@
           </a:xfrm>
           <a:extLst>
             <a:ext uri="{FAA26D3D-D897-4be2-8F04-BA451C77F1D7}">
-              <ma14:placeholderFlag xmlns="" xmlns:ma14="http://schemas.microsoft.com/office/mac/drawingml/2011/main" val="1"/>
+              <ma14:placeholderFlag xmlns:ma14="http://schemas.microsoft.com/office/mac/drawingml/2011/main" xmlns="" val="1"/>
             </a:ext>
           </a:extLst>
         </p:spPr>
@@ -29005,7 +28541,7 @@
           <a:lstStyle/>
           <a:p>
             <a:r>
-              <a:rPr lang="vi-VN" altLang="en-US" sz="2700" dirty="0" smtClean="0"/>
+              <a:rPr lang="vi-VN" altLang="en-US" sz="2700" dirty="0"/>
               <a:t>CÁC CÁCH SỬ DỤNG TỪ KHÓA SUPPER </a:t>
             </a:r>
             <a:endParaRPr lang="en-US" altLang="en-US" sz="2700" dirty="0"/>
@@ -29128,13 +28664,6 @@
   <p:clrMapOvr>
     <a:masterClrMapping/>
   </p:clrMapOvr>
-  <p:timing>
-    <p:tnLst>
-      <p:par>
-        <p:cTn id="1" dur="indefinite" restart="never" nodeType="tmRoot"/>
-      </p:par>
-    </p:tnLst>
-  </p:timing>
 </p:sld>
 </file>
 
@@ -29172,7 +28701,7 @@
           </a:xfrm>
           <a:extLst>
             <a:ext uri="{FAA26D3D-D897-4be2-8F04-BA451C77F1D7}">
-              <ma14:placeholderFlag xmlns="" xmlns:ma14="http://schemas.microsoft.com/office/mac/drawingml/2011/main" val="1"/>
+              <ma14:placeholderFlag xmlns:ma14="http://schemas.microsoft.com/office/mac/drawingml/2011/main" xmlns="" val="1"/>
             </a:ext>
           </a:extLst>
         </p:spPr>
@@ -29183,7 +28712,7 @@
           <a:lstStyle/>
           <a:p>
             <a:r>
-              <a:rPr lang="vi-VN" altLang="en-US" sz="2700" dirty="0" smtClean="0"/>
+              <a:rPr lang="vi-VN" altLang="en-US" sz="2700" dirty="0"/>
               <a:t>THAM CHIẾU TRỰC TIẾP </a:t>
             </a:r>
             <a:endParaRPr lang="en-US" altLang="en-US" sz="2700" dirty="0"/>
@@ -29909,13 +29438,6 @@
   <p:clrMapOvr>
     <a:masterClrMapping/>
   </p:clrMapOvr>
-  <p:timing>
-    <p:tnLst>
-      <p:par>
-        <p:cTn id="1" dur="indefinite" restart="never" nodeType="tmRoot"/>
-      </p:par>
-    </p:tnLst>
-  </p:timing>
 </p:sld>
 </file>
 
@@ -29953,7 +29475,7 @@
           </a:xfrm>
           <a:extLst>
             <a:ext uri="{FAA26D3D-D897-4be2-8F04-BA451C77F1D7}">
-              <ma14:placeholderFlag xmlns="" xmlns:ma14="http://schemas.microsoft.com/office/mac/drawingml/2011/main" val="1"/>
+              <ma14:placeholderFlag xmlns:ma14="http://schemas.microsoft.com/office/mac/drawingml/2011/main" xmlns="" val="1"/>
             </a:ext>
           </a:extLst>
         </p:spPr>
@@ -29964,7 +29486,7 @@
           <a:lstStyle/>
           <a:p>
             <a:r>
-              <a:rPr lang="vi-VN" altLang="en-US" sz="2400" dirty="0" smtClean="0"/>
+              <a:rPr lang="vi-VN" altLang="en-US" sz="2400" dirty="0"/>
               <a:t>GỌI TRỰC TIẾP PHƯƠNG THỨC CỦA LỚP CHA</a:t>
             </a:r>
             <a:endParaRPr lang="en-US" altLang="en-US" sz="2400" dirty="0"/>
@@ -30124,13 +29646,6 @@
   <p:clrMapOvr>
     <a:masterClrMapping/>
   </p:clrMapOvr>
-  <p:timing>
-    <p:tnLst>
-      <p:par>
-        <p:cTn id="1" dur="indefinite" restart="never" nodeType="tmRoot"/>
-      </p:par>
-    </p:tnLst>
-  </p:timing>
 </p:sld>
 </file>
 
@@ -30168,7 +29683,7 @@
           </a:xfrm>
           <a:extLst>
             <a:ext uri="{FAA26D3D-D897-4be2-8F04-BA451C77F1D7}">
-              <ma14:placeholderFlag xmlns="" xmlns:ma14="http://schemas.microsoft.com/office/mac/drawingml/2011/main" val="1"/>
+              <ma14:placeholderFlag xmlns:ma14="http://schemas.microsoft.com/office/mac/drawingml/2011/main" xmlns="" val="1"/>
             </a:ext>
           </a:extLst>
         </p:spPr>
@@ -30179,7 +29694,7 @@
           <a:lstStyle/>
           <a:p>
             <a:r>
-              <a:rPr lang="vi-VN" altLang="en-US" sz="2400" dirty="0" smtClean="0"/>
+              <a:rPr lang="vi-VN" altLang="en-US" sz="2400" dirty="0"/>
               <a:t>GỌI TRỰC TIẾP HÀM TẠO CỦA LỚP CHA</a:t>
             </a:r>
             <a:endParaRPr lang="en-US" altLang="en-US" sz="2400" dirty="0"/>
@@ -30297,13 +29812,6 @@
   <p:clrMapOvr>
     <a:masterClrMapping/>
   </p:clrMapOvr>
-  <p:timing>
-    <p:tnLst>
-      <p:par>
-        <p:cTn id="1" dur="indefinite" restart="never" nodeType="tmRoot"/>
-      </p:par>
-    </p:tnLst>
-  </p:timing>
 </p:sld>
 </file>
 
@@ -30402,11 +29910,7 @@
             </a:pPr>
             <a:r>
               <a:rPr lang="en" dirty="0"/>
-              <a:t>Bài học đề cập tới</a:t>
-            </a:r>
-            <a:r>
-              <a:rPr lang="en" dirty="0" smtClean="0"/>
-              <a:t>:</a:t>
+              <a:t>Bài học đề cập tới:</a:t>
             </a:r>
           </a:p>
           <a:p>
@@ -30473,6 +29977,110 @@
         </p:txBody>
       </p:sp>
     </p:spTree>
+  </p:cSld>
+  <p:clrMapOvr>
+    <a:masterClrMapping/>
+  </p:clrMapOvr>
+</p:sld>
+</file>
+
+<file path=ppt/slides/slide47.xml><?xml version="1.0" encoding="utf-8"?>
+<p:sld xmlns:a="http://schemas.openxmlformats.org/drawingml/2006/main" xmlns:r="http://schemas.openxmlformats.org/officeDocument/2006/relationships" xmlns:p="http://schemas.openxmlformats.org/presentationml/2006/main">
+  <p:cSld>
+    <p:spTree>
+      <p:nvGrpSpPr>
+        <p:cNvPr id="1" name=""/>
+        <p:cNvGrpSpPr/>
+        <p:nvPr/>
+      </p:nvGrpSpPr>
+      <p:grpSpPr>
+        <a:xfrm>
+          <a:off x="0" y="0"/>
+          <a:ext cx="0" cy="0"/>
+          <a:chOff x="0" y="0"/>
+          <a:chExt cx="0" cy="0"/>
+        </a:xfrm>
+      </p:grpSpPr>
+      <p:sp>
+        <p:nvSpPr>
+          <p:cNvPr id="2" name="Title 1">
+            <a:extLst>
+              <a:ext uri="{FF2B5EF4-FFF2-40B4-BE49-F238E27FC236}">
+                <a16:creationId xmlns:a16="http://schemas.microsoft.com/office/drawing/2014/main" id="{CF6D12E1-FBF4-CDF1-B80D-910C581441FA}"/>
+              </a:ext>
+            </a:extLst>
+          </p:cNvPr>
+          <p:cNvSpPr>
+            <a:spLocks noGrp="1"/>
+          </p:cNvSpPr>
+          <p:nvPr>
+            <p:ph type="title"/>
+          </p:nvPr>
+        </p:nvSpPr>
+        <p:spPr/>
+        <p:txBody>
+          <a:bodyPr>
+            <a:normAutofit fontScale="90000"/>
+          </a:bodyPr>
+          <a:lstStyle/>
+          <a:p>
+            <a:endParaRPr lang="en-US"/>
+          </a:p>
+        </p:txBody>
+      </p:sp>
+      <p:pic>
+        <p:nvPicPr>
+          <p:cNvPr id="2050" name="Picture 2">
+            <a:extLst>
+              <a:ext uri="{FF2B5EF4-FFF2-40B4-BE49-F238E27FC236}">
+                <a16:creationId xmlns:a16="http://schemas.microsoft.com/office/drawing/2014/main" id="{DEF02AC6-78FC-B7BC-B1CC-891990A6FE59}"/>
+              </a:ext>
+            </a:extLst>
+          </p:cNvPr>
+          <p:cNvPicPr>
+            <a:picLocks noChangeAspect="1" noChangeArrowheads="1"/>
+          </p:cNvPicPr>
+          <p:nvPr/>
+        </p:nvPicPr>
+        <p:blipFill>
+          <a:blip r:embed="rId2">
+            <a:extLst>
+              <a:ext uri="{28A0092B-C50C-407E-A947-70E740481C1C}">
+                <a14:useLocalDpi xmlns:a14="http://schemas.microsoft.com/office/drawing/2010/main" val="0"/>
+              </a:ext>
+            </a:extLst>
+          </a:blip>
+          <a:srcRect/>
+          <a:stretch>
+            <a:fillRect/>
+          </a:stretch>
+        </p:blipFill>
+        <p:spPr bwMode="auto">
+          <a:xfrm>
+            <a:off x="0" y="0"/>
+            <a:ext cx="9144000" cy="5143500"/>
+          </a:xfrm>
+          <a:prstGeom prst="rect">
+            <a:avLst/>
+          </a:prstGeom>
+          <a:noFill/>
+          <a:extLst>
+            <a:ext uri="{909E8E84-426E-40DD-AFC4-6F175D3DCCD1}">
+              <a14:hiddenFill xmlns:a14="http://schemas.microsoft.com/office/drawing/2010/main">
+                <a:solidFill>
+                  <a:srgbClr val="FFFFFF"/>
+                </a:solidFill>
+              </a14:hiddenFill>
+            </a:ext>
+          </a:extLst>
+        </p:spPr>
+      </p:pic>
+    </p:spTree>
+    <p:extLst>
+      <p:ext uri="{BB962C8B-B14F-4D97-AF65-F5344CB8AC3E}">
+        <p14:creationId xmlns:p14="http://schemas.microsoft.com/office/powerpoint/2010/main" val="1171021255"/>
+      </p:ext>
+    </p:extLst>
   </p:cSld>
   <p:clrMapOvr>
     <a:masterClrMapping/>
@@ -30510,7 +30118,7 @@
         <p:spPr>
           <a:extLst>
             <a:ext uri="{FAA26D3D-D897-4be2-8F04-BA451C77F1D7}">
-              <ma14:placeholderFlag xmlns="" xmlns:ma14="http://schemas.microsoft.com/office/mac/drawingml/2011/main" val="1"/>
+              <ma14:placeholderFlag xmlns:ma14="http://schemas.microsoft.com/office/mac/drawingml/2011/main" xmlns="" val="1"/>
             </a:ext>
           </a:extLst>
         </p:spPr>
@@ -30521,11 +30129,11 @@
           <a:lstStyle/>
           <a:p>
             <a:r>
-              <a:rPr lang="en-US" altLang="en-US" sz="2700" dirty="0" smtClean="0"/>
+              <a:rPr lang="en-US" altLang="en-US" sz="2700" dirty="0"/>
               <a:t>KHÁI </a:t>
             </a:r>
             <a:r>
-              <a:rPr lang="en-US" altLang="en-US" sz="2700" dirty="0" err="1" smtClean="0"/>
+              <a:rPr lang="en-US" altLang="en-US" sz="2700" dirty="0" err="1"/>
               <a:t>NIỆM</a:t>
             </a:r>
             <a:endParaRPr lang="en-US" altLang="en-US" sz="2700" dirty="0"/>
@@ -30704,13 +30312,6 @@
   <p:clrMapOvr>
     <a:masterClrMapping/>
   </p:clrMapOvr>
-  <p:timing>
-    <p:tnLst>
-      <p:par>
-        <p:cTn id="1" dur="indefinite" restart="never" nodeType="tmRoot"/>
-      </p:par>
-    </p:tnLst>
-  </p:timing>
 </p:sld>
 </file>
 
@@ -30744,7 +30345,7 @@
         <p:spPr>
           <a:extLst>
             <a:ext uri="{FAA26D3D-D897-4be2-8F04-BA451C77F1D7}">
-              <ma14:placeholderFlag xmlns="" xmlns:ma14="http://schemas.microsoft.com/office/mac/drawingml/2011/main" val="1"/>
+              <ma14:placeholderFlag xmlns:ma14="http://schemas.microsoft.com/office/mac/drawingml/2011/main" xmlns="" val="1"/>
             </a:ext>
           </a:extLst>
         </p:spPr>
@@ -30755,11 +30356,11 @@
           <a:lstStyle/>
           <a:p>
             <a:r>
-              <a:rPr lang="en-US" altLang="en-US" sz="2700" dirty="0" smtClean="0"/>
+              <a:rPr lang="en-US" altLang="en-US" sz="2700" dirty="0"/>
               <a:t>KHÁI </a:t>
             </a:r>
             <a:r>
-              <a:rPr lang="en-US" altLang="en-US" sz="2700" dirty="0" err="1" smtClean="0"/>
+              <a:rPr lang="en-US" altLang="en-US" sz="2700" dirty="0" err="1"/>
               <a:t>NIỆM</a:t>
             </a:r>
             <a:endParaRPr lang="en-US" altLang="en-US" sz="2700" dirty="0"/>
@@ -30845,17 +30446,7 @@
                 <a:latin typeface="Segoe UI" panose="020B0502040204020203" pitchFamily="34" charset="0"/>
                 <a:ea typeface="Times New Roman" panose="02020603050405020304" pitchFamily="18" charset="0"/>
               </a:rPr>
-              <a:t> </a:t>
-            </a:r>
-            <a:r>
-              <a:rPr lang="en-US" b="1" dirty="0" smtClean="0">
-                <a:solidFill>
-                  <a:srgbClr val="343A40"/>
-                </a:solidFill>
-                <a:latin typeface="Segoe UI" panose="020B0502040204020203" pitchFamily="34" charset="0"/>
-                <a:ea typeface="Times New Roman" panose="02020603050405020304" pitchFamily="18" charset="0"/>
-              </a:rPr>
-              <a:t>Java</a:t>
+              <a:t> Java</a:t>
             </a:r>
             <a:endParaRPr lang="en-US" b="1" dirty="0"/>
           </a:p>
@@ -30904,13 +30495,6 @@
   <p:clrMapOvr>
     <a:masterClrMapping/>
   </p:clrMapOvr>
-  <p:timing>
-    <p:tnLst>
-      <p:par>
-        <p:cTn id="1" dur="indefinite" restart="never" nodeType="tmRoot"/>
-      </p:par>
-    </p:tnLst>
-  </p:timing>
 </p:sld>
 </file>
 
@@ -30948,7 +30532,7 @@
           </a:xfrm>
           <a:extLst>
             <a:ext uri="{FAA26D3D-D897-4be2-8F04-BA451C77F1D7}">
-              <ma14:placeholderFlag xmlns="" xmlns:ma14="http://schemas.microsoft.com/office/mac/drawingml/2011/main" val="1"/>
+              <ma14:placeholderFlag xmlns:ma14="http://schemas.microsoft.com/office/mac/drawingml/2011/main" xmlns="" val="1"/>
             </a:ext>
           </a:extLst>
         </p:spPr>
@@ -30959,42 +30543,41 @@
           <a:lstStyle/>
           <a:p>
             <a:r>
-              <a:rPr lang="en-US" altLang="en-US" sz="2700" dirty="0" smtClean="0"/>
+              <a:rPr lang="en-US" altLang="en-US" sz="2700" dirty="0"/>
               <a:t>THUẬT </a:t>
             </a:r>
             <a:r>
-              <a:rPr lang="en-US" altLang="en-US" sz="2700" dirty="0" err="1" smtClean="0"/>
+              <a:rPr lang="en-US" altLang="en-US" sz="2700" dirty="0" err="1"/>
               <a:t>NGỮ</a:t>
             </a:r>
             <a:r>
-              <a:rPr lang="en-US" altLang="en-US" sz="2700" dirty="0" smtClean="0"/>
-              <a:t> </a:t>
-            </a:r>
-            <a:r>
-              <a:rPr lang="en-US" altLang="en-US" sz="2700" dirty="0" err="1" smtClean="0"/>
+              <a:rPr lang="en-US" altLang="en-US" sz="2700" dirty="0"/>
+              <a:t> </a:t>
+            </a:r>
+            <a:r>
+              <a:rPr lang="en-US" altLang="en-US" sz="2700" dirty="0" err="1"/>
               <a:t>SỬ</a:t>
             </a:r>
             <a:r>
-              <a:rPr lang="en-US" altLang="en-US" sz="2700" dirty="0" smtClean="0"/>
-              <a:t> </a:t>
-            </a:r>
-            <a:r>
-              <a:rPr lang="en-US" altLang="en-US" sz="2700" dirty="0" err="1" smtClean="0"/>
+              <a:rPr lang="en-US" altLang="en-US" sz="2700" dirty="0"/>
+              <a:t> </a:t>
+            </a:r>
+            <a:r>
+              <a:rPr lang="en-US" altLang="en-US" sz="2700" dirty="0" err="1"/>
               <a:t>DỤNG</a:t>
             </a:r>
             <a:r>
-              <a:rPr lang="en-US" altLang="en-US" sz="2700" dirty="0" smtClean="0"/>
+              <a:rPr lang="en-US" altLang="en-US" sz="2700" dirty="0"/>
               <a:t> TRONG </a:t>
             </a:r>
             <a:r>
-              <a:rPr lang="en-US" altLang="en-US" sz="2700" dirty="0" err="1" smtClean="0"/>
+              <a:rPr lang="en-US" altLang="en-US" sz="2700" dirty="0" err="1"/>
               <a:t>THỪA</a:t>
             </a:r>
             <a:r>
-              <a:rPr lang="en-US" altLang="en-US" sz="2700" dirty="0" smtClean="0"/>
+              <a:rPr lang="en-US" altLang="en-US" sz="2700" dirty="0"/>
               <a:t> KẾ</a:t>
             </a:r>
-            <a:endParaRPr lang="en-US" altLang="en-US" sz="2700" dirty="0"/>
           </a:p>
         </p:txBody>
       </p:sp>
@@ -31303,7 +30886,7 @@
               <a:t> </a:t>
             </a:r>
             <a:r>
-              <a:rPr lang="en-US" sz="1800" dirty="0" err="1" smtClean="0">
+              <a:rPr lang="en-US" sz="1800" dirty="0" err="1">
                 <a:solidFill>
                   <a:srgbClr val="343A40"/>
                 </a:solidFill>
@@ -31314,7 +30897,7 @@
               <a:t>chung</a:t>
             </a:r>
             <a:r>
-              <a:rPr lang="en-US" sz="1800" dirty="0" smtClean="0">
+              <a:rPr lang="en-US" sz="1800" dirty="0">
                 <a:solidFill>
                   <a:srgbClr val="343A40"/>
                 </a:solidFill>
@@ -31325,7 +30908,7 @@
               <a:t>; </a:t>
             </a:r>
             <a:r>
-              <a:rPr lang="en-US" sz="1800" dirty="0" err="1" smtClean="0">
+              <a:rPr lang="en-US" sz="1800" dirty="0" err="1">
                 <a:solidFill>
                   <a:srgbClr val="343A40"/>
                 </a:solidFill>
@@ -31336,7 +30919,7 @@
               <a:t>là</a:t>
             </a:r>
             <a:r>
-              <a:rPr lang="en-US" sz="1800" dirty="0" smtClean="0">
+              <a:rPr lang="en-US" sz="1800" dirty="0">
                 <a:solidFill>
                   <a:srgbClr val="343A40"/>
                 </a:solidFill>
@@ -31868,7 +31451,7 @@
               <a:t> </a:t>
             </a:r>
             <a:r>
-              <a:rPr lang="en-US" sz="1800" dirty="0" err="1" smtClean="0">
+              <a:rPr lang="en-US" sz="1800" dirty="0" err="1">
                 <a:solidFill>
                   <a:srgbClr val="343A40"/>
                 </a:solidFill>
@@ -31879,7 +31462,7 @@
               <a:t>khác</a:t>
             </a:r>
             <a:r>
-              <a:rPr lang="en-US" sz="1800" dirty="0" smtClean="0">
+              <a:rPr lang="en-US" sz="1800" dirty="0">
                 <a:solidFill>
                   <a:srgbClr val="343A40"/>
                 </a:solidFill>
@@ -31890,7 +31473,7 @@
               <a:t>; </a:t>
             </a:r>
             <a:r>
-              <a:rPr lang="en-US" sz="1800" dirty="0" err="1" smtClean="0">
+              <a:rPr lang="en-US" sz="1800" dirty="0" err="1">
                 <a:solidFill>
                   <a:srgbClr val="343A40"/>
                 </a:solidFill>
@@ -31901,7 +31484,7 @@
               <a:t>còn</a:t>
             </a:r>
             <a:r>
-              <a:rPr lang="en-US" sz="1800" dirty="0" smtClean="0">
+              <a:rPr lang="en-US" sz="1800" dirty="0">
                 <a:solidFill>
                   <a:srgbClr val="343A40"/>
                 </a:solidFill>
@@ -32488,7 +32071,7 @@
               <a:t> </a:t>
             </a:r>
             <a:r>
-              <a:rPr lang="en-US" sz="1800" dirty="0" err="1" smtClean="0">
+              <a:rPr lang="en-US" sz="1800" dirty="0" err="1">
                 <a:solidFill>
                   <a:srgbClr val="343A40"/>
                 </a:solidFill>
@@ -32499,7 +32082,7 @@
               <a:t>tính</a:t>
             </a:r>
             <a:r>
-              <a:rPr lang="en-US" sz="1800" dirty="0" smtClean="0">
+              <a:rPr lang="en-US" sz="1800" dirty="0">
                 <a:solidFill>
                   <a:srgbClr val="343A40"/>
                 </a:solidFill>
@@ -33588,13 +33171,6 @@
   <p:clrMapOvr>
     <a:masterClrMapping/>
   </p:clrMapOvr>
-  <p:timing>
-    <p:tnLst>
-      <p:par>
-        <p:cTn id="1" dur="indefinite" restart="never" nodeType="tmRoot"/>
-      </p:par>
-    </p:tnLst>
-  </p:timing>
 </p:sld>
 </file>
 
@@ -33632,7 +33208,7 @@
           </a:xfrm>
           <a:extLst>
             <a:ext uri="{FAA26D3D-D897-4be2-8F04-BA451C77F1D7}">
-              <ma14:placeholderFlag xmlns="" xmlns:ma14="http://schemas.microsoft.com/office/mac/drawingml/2011/main" val="1"/>
+              <ma14:placeholderFlag xmlns:ma14="http://schemas.microsoft.com/office/mac/drawingml/2011/main" xmlns="" val="1"/>
             </a:ext>
           </a:extLst>
         </p:spPr>
@@ -33643,46 +33219,45 @@
           <a:lstStyle/>
           <a:p>
             <a:r>
-              <a:rPr lang="en-US" altLang="en-US" sz="2700" dirty="0" err="1" smtClean="0"/>
+              <a:rPr lang="en-US" altLang="en-US" sz="2700" dirty="0" err="1"/>
               <a:t>LÝ</a:t>
             </a:r>
             <a:r>
-              <a:rPr lang="en-US" altLang="en-US" sz="2700" dirty="0" smtClean="0"/>
+              <a:rPr lang="en-US" altLang="en-US" sz="2700" dirty="0"/>
               <a:t> DO </a:t>
             </a:r>
             <a:r>
-              <a:rPr lang="en-US" altLang="en-US" sz="2700" dirty="0" err="1" smtClean="0"/>
+              <a:rPr lang="en-US" altLang="en-US" sz="2700" dirty="0" err="1"/>
               <a:t>SỬ</a:t>
             </a:r>
             <a:r>
-              <a:rPr lang="en-US" altLang="en-US" sz="2700" dirty="0" smtClean="0"/>
-              <a:t> </a:t>
-            </a:r>
-            <a:r>
-              <a:rPr lang="en-US" altLang="en-US" sz="2700" dirty="0" err="1" smtClean="0"/>
+              <a:rPr lang="en-US" altLang="en-US" sz="2700" dirty="0"/>
+              <a:t> </a:t>
+            </a:r>
+            <a:r>
+              <a:rPr lang="en-US" altLang="en-US" sz="2700" dirty="0" err="1"/>
               <a:t>DỤNG</a:t>
             </a:r>
             <a:r>
-              <a:rPr lang="en-US" altLang="en-US" sz="2700" dirty="0" smtClean="0"/>
-              <a:t> </a:t>
-            </a:r>
-            <a:r>
-              <a:rPr lang="en-US" altLang="en-US" sz="2700" dirty="0" err="1" smtClean="0"/>
+              <a:rPr lang="en-US" altLang="en-US" sz="2700" dirty="0"/>
+              <a:t> </a:t>
+            </a:r>
+            <a:r>
+              <a:rPr lang="en-US" altLang="en-US" sz="2700" dirty="0" err="1"/>
               <a:t>TÍNH</a:t>
             </a:r>
             <a:r>
-              <a:rPr lang="en-US" altLang="en-US" sz="2700" dirty="0" smtClean="0"/>
+              <a:rPr lang="en-US" altLang="en-US" sz="2700" dirty="0"/>
               <a:t> KẾ </a:t>
             </a:r>
             <a:r>
-              <a:rPr lang="en-US" altLang="en-US" sz="2700" dirty="0" err="1" smtClean="0"/>
+              <a:rPr lang="en-US" altLang="en-US" sz="2700" dirty="0" err="1"/>
               <a:t>THỪA</a:t>
             </a:r>
             <a:r>
-              <a:rPr lang="en-US" altLang="en-US" sz="2700" dirty="0" smtClean="0"/>
-              <a:t> </a:t>
-            </a:r>
-            <a:endParaRPr lang="en-US" altLang="en-US" sz="2700" dirty="0"/>
+              <a:rPr lang="en-US" altLang="en-US" sz="2700" dirty="0"/>
+              <a:t> </a:t>
+            </a:r>
           </a:p>
         </p:txBody>
       </p:sp>
@@ -33716,7 +33291,7 @@
               </a:spcAft>
             </a:pPr>
             <a:r>
-              <a:rPr lang="en-US" sz="1800" dirty="0" smtClean="0">
+              <a:rPr lang="en-US" sz="1800" dirty="0">
                 <a:solidFill>
                   <a:srgbClr val="343A40"/>
                 </a:solidFill>
@@ -33727,17 +33302,6 @@
               <a:t>- </a:t>
             </a:r>
             <a:r>
-              <a:rPr lang="vi-VN" sz="1800" dirty="0" smtClean="0">
-                <a:solidFill>
-                  <a:srgbClr val="343A40"/>
-                </a:solidFill>
-                <a:latin typeface="Segoe UI" panose="020B0502040204020203" pitchFamily="34" charset="0"/>
-                <a:ea typeface="Times New Roman" panose="02020603050405020304" pitchFamily="18" charset="0"/>
-                <a:cs typeface="Times New Roman" panose="02020603050405020304" pitchFamily="18" charset="0"/>
-              </a:rPr>
-              <a:t>Khả </a:t>
-            </a:r>
-            <a:r>
               <a:rPr lang="vi-VN" sz="1800" dirty="0">
                 <a:solidFill>
                   <a:srgbClr val="343A40"/>
@@ -33746,29 +33310,7 @@
                 <a:ea typeface="Times New Roman" panose="02020603050405020304" pitchFamily="18" charset="0"/>
                 <a:cs typeface="Times New Roman" panose="02020603050405020304" pitchFamily="18" charset="0"/>
               </a:rPr>
-              <a:t>năng sử dụng lại mã: Cho phép người lập trình tái sử dụng mã nguồn đã được viết trước </a:t>
-            </a:r>
-            <a:r>
-              <a:rPr lang="vi-VN" sz="1800" dirty="0" smtClean="0">
-                <a:solidFill>
-                  <a:srgbClr val="343A40"/>
-                </a:solidFill>
-                <a:latin typeface="Segoe UI" panose="020B0502040204020203" pitchFamily="34" charset="0"/>
-                <a:ea typeface="Times New Roman" panose="02020603050405020304" pitchFamily="18" charset="0"/>
-                <a:cs typeface="Times New Roman" panose="02020603050405020304" pitchFamily="18" charset="0"/>
-              </a:rPr>
-              <a:t>mà </a:t>
-            </a:r>
-            <a:r>
-              <a:rPr lang="vi-VN" sz="1800" dirty="0">
-                <a:solidFill>
-                  <a:srgbClr val="343A40"/>
-                </a:solidFill>
-                <a:latin typeface="Segoe UI" panose="020B0502040204020203" pitchFamily="34" charset="0"/>
-                <a:ea typeface="Times New Roman" panose="02020603050405020304" pitchFamily="18" charset="0"/>
-                <a:cs typeface="Times New Roman" panose="02020603050405020304" pitchFamily="18" charset="0"/>
-              </a:rPr>
-              <a:t>không cần phải viết lại.</a:t>
+              <a:t>Khả năng sử dụng lại mã: Cho phép người lập trình tái sử dụng mã nguồn đã được viết trước mà không cần phải viết lại.</a:t>
             </a:r>
           </a:p>
           <a:p>
@@ -33781,7 +33323,7 @@
               </a:spcAft>
             </a:pPr>
             <a:r>
-              <a:rPr lang="en-US" sz="1800" dirty="0" smtClean="0">
+              <a:rPr lang="en-US" sz="1800" dirty="0">
                 <a:solidFill>
                   <a:srgbClr val="343A40"/>
                 </a:solidFill>
@@ -33792,17 +33334,6 @@
               <a:t>- </a:t>
             </a:r>
             <a:r>
-              <a:rPr lang="vi-VN" sz="1800" dirty="0" smtClean="0">
-                <a:solidFill>
-                  <a:srgbClr val="343A40"/>
-                </a:solidFill>
-                <a:latin typeface="Segoe UI" panose="020B0502040204020203" pitchFamily="34" charset="0"/>
-                <a:ea typeface="Times New Roman" panose="02020603050405020304" pitchFamily="18" charset="0"/>
-                <a:cs typeface="Times New Roman" panose="02020603050405020304" pitchFamily="18" charset="0"/>
-              </a:rPr>
-              <a:t>Đạt </a:t>
-            </a:r>
-            <a:r>
               <a:rPr lang="vi-VN" sz="1800" dirty="0">
                 <a:solidFill>
                   <a:srgbClr val="343A40"/>
@@ -33811,7 +33342,7 @@
                 <a:ea typeface="Times New Roman" panose="02020603050405020304" pitchFamily="18" charset="0"/>
                 <a:cs typeface="Times New Roman" panose="02020603050405020304" pitchFamily="18" charset="0"/>
               </a:rPr>
-              <a:t>được tính đa hình: Sử dụng ghi đè phương thức và phương thức ghi đè để có thể đạt được tính đa hình trong thời gian chạy.</a:t>
+              <a:t>Đạt được tính đa hình: Sử dụng ghi đè phương thức và phương thức ghi đè để có thể đạt được tính đa hình trong thời gian chạy.</a:t>
             </a:r>
           </a:p>
           <a:p>
@@ -33824,7 +33355,7 @@
               </a:spcAft>
             </a:pPr>
             <a:r>
-              <a:rPr lang="en-US" sz="1800" dirty="0" smtClean="0">
+              <a:rPr lang="en-US" sz="1800" dirty="0">
                 <a:solidFill>
                   <a:srgbClr val="343A40"/>
                 </a:solidFill>
@@ -33835,17 +33366,6 @@
               <a:t>- </a:t>
             </a:r>
             <a:r>
-              <a:rPr lang="vi-VN" sz="1800" dirty="0" smtClean="0">
-                <a:solidFill>
-                  <a:srgbClr val="343A40"/>
-                </a:solidFill>
-                <a:latin typeface="Segoe UI" panose="020B0502040204020203" pitchFamily="34" charset="0"/>
-                <a:ea typeface="Times New Roman" panose="02020603050405020304" pitchFamily="18" charset="0"/>
-                <a:cs typeface="Times New Roman" panose="02020603050405020304" pitchFamily="18" charset="0"/>
-              </a:rPr>
-              <a:t>Lớp </a:t>
-            </a:r>
-            <a:r>
               <a:rPr lang="vi-VN" sz="1800" dirty="0">
                 <a:solidFill>
                   <a:srgbClr val="343A40"/>
@@ -33854,7 +33374,7 @@
                 <a:ea typeface="Times New Roman" panose="02020603050405020304" pitchFamily="18" charset="0"/>
                 <a:cs typeface="Times New Roman" panose="02020603050405020304" pitchFamily="18" charset="0"/>
               </a:rPr>
-              <a:t>mới kế thừa tất cả các thao tác tính toán của lớp cũ. </a:t>
+              <a:t>Lớp mới kế thừa tất cả các thao tác tính toán của lớp cũ. </a:t>
             </a:r>
           </a:p>
         </p:txBody>
@@ -33922,13 +33442,6 @@
   <p:clrMapOvr>
     <a:masterClrMapping/>
   </p:clrMapOvr>
-  <p:timing>
-    <p:tnLst>
-      <p:par>
-        <p:cTn id="1" dur="indefinite" restart="never" nodeType="tmRoot"/>
-      </p:par>
-    </p:tnLst>
-  </p:timing>
 </p:sld>
 </file>
 
@@ -33966,7 +33479,7 @@
           </a:xfrm>
           <a:extLst>
             <a:ext uri="{FAA26D3D-D897-4be2-8F04-BA451C77F1D7}">
-              <ma14:placeholderFlag xmlns="" xmlns:ma14="http://schemas.microsoft.com/office/mac/drawingml/2011/main" val="1"/>
+              <ma14:placeholderFlag xmlns:ma14="http://schemas.microsoft.com/office/mac/drawingml/2011/main" xmlns="" val="1"/>
             </a:ext>
           </a:extLst>
         </p:spPr>
@@ -33977,15 +33490,15 @@
           <a:lstStyle/>
           <a:p>
             <a:r>
-              <a:rPr lang="en-US" altLang="en-US" sz="2700" dirty="0" err="1" smtClean="0"/>
+              <a:rPr lang="en-US" altLang="en-US" sz="2700" dirty="0" err="1"/>
               <a:t>KHAI</a:t>
             </a:r>
             <a:r>
-              <a:rPr lang="en-US" altLang="en-US" sz="2700" dirty="0" smtClean="0"/>
-              <a:t> </a:t>
-            </a:r>
-            <a:r>
-              <a:rPr lang="en-US" altLang="en-US" sz="2700" dirty="0" err="1" smtClean="0"/>
+              <a:rPr lang="en-US" altLang="en-US" sz="2700" dirty="0"/>
+              <a:t> </a:t>
+            </a:r>
+            <a:r>
+              <a:rPr lang="en-US" altLang="en-US" sz="2700" dirty="0" err="1"/>
               <a:t>BÁO</a:t>
             </a:r>
             <a:endParaRPr lang="en-US" altLang="en-US" sz="2700" dirty="0"/>
@@ -34506,7 +34019,7 @@
               <a:t>có</a:t>
             </a:r>
             <a:r>
-              <a:rPr lang="en-US" sz="1800" dirty="0" smtClean="0">
+              <a:rPr lang="en-US" sz="1800" dirty="0">
                 <a:solidFill>
                   <a:srgbClr val="343A40"/>
                 </a:solidFill>
@@ -34527,7 +34040,7 @@
               </a:spcAft>
             </a:pPr>
             <a:r>
-              <a:rPr lang="en-US" sz="1800" dirty="0" smtClean="0">
+              <a:rPr lang="en-US" sz="1800" dirty="0">
                 <a:solidFill>
                   <a:srgbClr val="343A40"/>
                 </a:solidFill>
@@ -34784,13 +34297,6 @@
   <p:clrMapOvr>
     <a:masterClrMapping/>
   </p:clrMapOvr>
-  <p:timing>
-    <p:tnLst>
-      <p:par>
-        <p:cTn id="1" dur="indefinite" restart="never" nodeType="tmRoot"/>
-      </p:par>
-    </p:tnLst>
-  </p:timing>
 </p:sld>
 </file>
 
